--- a/XamarinForms/Final - Xamarin Forms - Sort 2019 - Jon Worthington.pptx
+++ b/XamarinForms/Final - Xamarin Forms - Sort 2019 - Jon Worthington.pptx
@@ -7,22 +7,23 @@
     <p:sldMasterId id="2147483716" r:id="rId6"/>
   </p:sldMasterIdLst>
   <p:notesMasterIdLst>
-    <p:notesMasterId r:id="rId20"/>
+    <p:notesMasterId r:id="rId21"/>
   </p:notesMasterIdLst>
   <p:sldIdLst>
     <p:sldId id="256" r:id="rId7"/>
-    <p:sldId id="263" r:id="rId8"/>
-    <p:sldId id="264" r:id="rId9"/>
-    <p:sldId id="268" r:id="rId10"/>
-    <p:sldId id="266" r:id="rId11"/>
-    <p:sldId id="270" r:id="rId12"/>
-    <p:sldId id="271" r:id="rId13"/>
-    <p:sldId id="272" r:id="rId14"/>
-    <p:sldId id="265" r:id="rId15"/>
-    <p:sldId id="276" r:id="rId16"/>
-    <p:sldId id="275" r:id="rId17"/>
-    <p:sldId id="274" r:id="rId18"/>
-    <p:sldId id="262" r:id="rId19"/>
+    <p:sldId id="277" r:id="rId8"/>
+    <p:sldId id="278" r:id="rId9"/>
+    <p:sldId id="263" r:id="rId10"/>
+    <p:sldId id="264" r:id="rId11"/>
+    <p:sldId id="268" r:id="rId12"/>
+    <p:sldId id="266" r:id="rId13"/>
+    <p:sldId id="270" r:id="rId14"/>
+    <p:sldId id="271" r:id="rId15"/>
+    <p:sldId id="265" r:id="rId16"/>
+    <p:sldId id="276" r:id="rId17"/>
+    <p:sldId id="275" r:id="rId18"/>
+    <p:sldId id="274" r:id="rId19"/>
+    <p:sldId id="262" r:id="rId20"/>
   </p:sldIdLst>
   <p:sldSz cx="12192000" cy="6858000"/>
   <p:notesSz cx="6858000" cy="9144000"/>
@@ -127,13 +128,14 @@
         <p14:section name="Default Section" id="{4BF8EADC-095A-4583-9C97-69133D952782}">
           <p14:sldIdLst>
             <p14:sldId id="256"/>
+            <p14:sldId id="277"/>
+            <p14:sldId id="278"/>
             <p14:sldId id="263"/>
             <p14:sldId id="264"/>
             <p14:sldId id="268"/>
             <p14:sldId id="266"/>
             <p14:sldId id="270"/>
             <p14:sldId id="271"/>
-            <p14:sldId id="272"/>
             <p14:sldId id="265"/>
             <p14:sldId id="276"/>
             <p14:sldId id="275"/>
@@ -257,7 +259,7 @@
           <a:p>
             <a:fld id="{89352B6C-D4C9-47F9-89DC-3AEEFB041037}" type="datetimeFigureOut">
               <a:rPr lang="en-US" smtClean="0"/>
-              <a:t>10/1/2019</a:t>
+              <a:t>10/2/2019</a:t>
             </a:fld>
             <a:endParaRPr lang="en-US"/>
           </a:p>
@@ -673,7 +675,7 @@
           <a:p>
             <a:fld id="{096B5631-8577-E648-B608-389A859B729B}" type="datetimeFigureOut">
               <a:rPr lang="en-US" smtClean="0"/>
-              <a:t>10/1/2019</a:t>
+              <a:t>10/2/2019</a:t>
             </a:fld>
             <a:endParaRPr lang="en-US"/>
           </a:p>
@@ -1042,7 +1044,7 @@
           <a:p>
             <a:fld id="{096B5631-8577-E648-B608-389A859B729B}" type="datetimeFigureOut">
               <a:rPr lang="en-US" smtClean="0"/>
-              <a:t>10/1/2019</a:t>
+              <a:t>10/2/2019</a:t>
             </a:fld>
             <a:endParaRPr lang="en-US"/>
           </a:p>
@@ -1264,7 +1266,7 @@
           <a:p>
             <a:fld id="{096B5631-8577-E648-B608-389A859B729B}" type="datetimeFigureOut">
               <a:rPr lang="en-US" smtClean="0"/>
-              <a:t>10/1/2019</a:t>
+              <a:t>10/2/2019</a:t>
             </a:fld>
             <a:endParaRPr lang="en-US"/>
           </a:p>
@@ -1486,7 +1488,7 @@
           <a:p>
             <a:fld id="{096B5631-8577-E648-B608-389A859B729B}" type="datetimeFigureOut">
               <a:rPr lang="en-US" smtClean="0"/>
-              <a:t>10/1/2019</a:t>
+              <a:t>10/2/2019</a:t>
             </a:fld>
             <a:endParaRPr lang="en-US"/>
           </a:p>
@@ -1702,7 +1704,7 @@
           <a:p>
             <a:fld id="{192802A8-6727-C24A-8243-95DC814C3DC9}" type="datetimeFigureOut">
               <a:rPr lang="en-US" smtClean="0"/>
-              <a:t>10/1/2019</a:t>
+              <a:t>10/2/2019</a:t>
             </a:fld>
             <a:endParaRPr lang="en-US"/>
           </a:p>
@@ -1900,7 +1902,7 @@
           <a:p>
             <a:fld id="{192802A8-6727-C24A-8243-95DC814C3DC9}" type="datetimeFigureOut">
               <a:rPr lang="en-US" smtClean="0"/>
-              <a:t>10/1/2019</a:t>
+              <a:t>10/2/2019</a:t>
             </a:fld>
             <a:endParaRPr lang="en-US"/>
           </a:p>
@@ -2175,7 +2177,7 @@
           <a:p>
             <a:fld id="{192802A8-6727-C24A-8243-95DC814C3DC9}" type="datetimeFigureOut">
               <a:rPr lang="en-US" smtClean="0"/>
-              <a:t>10/1/2019</a:t>
+              <a:t>10/2/2019</a:t>
             </a:fld>
             <a:endParaRPr lang="en-US"/>
           </a:p>
@@ -2440,7 +2442,7 @@
           <a:p>
             <a:fld id="{192802A8-6727-C24A-8243-95DC814C3DC9}" type="datetimeFigureOut">
               <a:rPr lang="en-US" smtClean="0"/>
-              <a:t>10/1/2019</a:t>
+              <a:t>10/2/2019</a:t>
             </a:fld>
             <a:endParaRPr lang="en-US"/>
           </a:p>
@@ -2852,7 +2854,7 @@
           <a:p>
             <a:fld id="{192802A8-6727-C24A-8243-95DC814C3DC9}" type="datetimeFigureOut">
               <a:rPr lang="en-US" smtClean="0"/>
-              <a:t>10/1/2019</a:t>
+              <a:t>10/2/2019</a:t>
             </a:fld>
             <a:endParaRPr lang="en-US"/>
           </a:p>
@@ -2993,7 +2995,7 @@
           <a:p>
             <a:fld id="{192802A8-6727-C24A-8243-95DC814C3DC9}" type="datetimeFigureOut">
               <a:rPr lang="en-US" smtClean="0"/>
-              <a:t>10/1/2019</a:t>
+              <a:t>10/2/2019</a:t>
             </a:fld>
             <a:endParaRPr lang="en-US"/>
           </a:p>
@@ -3106,7 +3108,7 @@
           <a:p>
             <a:fld id="{192802A8-6727-C24A-8243-95DC814C3DC9}" type="datetimeFigureOut">
               <a:rPr lang="en-US" smtClean="0"/>
-              <a:t>10/1/2019</a:t>
+              <a:t>10/2/2019</a:t>
             </a:fld>
             <a:endParaRPr lang="en-US"/>
           </a:p>
@@ -3251,7 +3253,7 @@
           <a:p>
             <a:fld id="{096B5631-8577-E648-B608-389A859B729B}" type="datetimeFigureOut">
               <a:rPr lang="en-US" smtClean="0"/>
-              <a:t>10/1/2019</a:t>
+              <a:t>10/2/2019</a:t>
             </a:fld>
             <a:endParaRPr lang="en-US"/>
           </a:p>
@@ -3674,7 +3676,7 @@
           <a:p>
             <a:fld id="{192802A8-6727-C24A-8243-95DC814C3DC9}" type="datetimeFigureOut">
               <a:rPr lang="en-US" smtClean="0"/>
-              <a:t>10/1/2019</a:t>
+              <a:t>10/2/2019</a:t>
             </a:fld>
             <a:endParaRPr lang="en-US"/>
           </a:p>
@@ -3962,7 +3964,7 @@
           <a:p>
             <a:fld id="{192802A8-6727-C24A-8243-95DC814C3DC9}" type="datetimeFigureOut">
               <a:rPr lang="en-US" smtClean="0"/>
-              <a:t>10/1/2019</a:t>
+              <a:t>10/2/2019</a:t>
             </a:fld>
             <a:endParaRPr lang="en-US"/>
           </a:p>
@@ -4160,7 +4162,7 @@
           <a:p>
             <a:fld id="{192802A8-6727-C24A-8243-95DC814C3DC9}" type="datetimeFigureOut">
               <a:rPr lang="en-US" smtClean="0"/>
-              <a:t>10/1/2019</a:t>
+              <a:t>10/2/2019</a:t>
             </a:fld>
             <a:endParaRPr lang="en-US"/>
           </a:p>
@@ -4368,7 +4370,7 @@
           <a:p>
             <a:fld id="{192802A8-6727-C24A-8243-95DC814C3DC9}" type="datetimeFigureOut">
               <a:rPr lang="en-US" smtClean="0"/>
-              <a:t>10/1/2019</a:t>
+              <a:t>10/2/2019</a:t>
             </a:fld>
             <a:endParaRPr lang="en-US"/>
           </a:p>
@@ -4509,7 +4511,7 @@
           <a:p>
             <a:fld id="{192802A8-6727-C24A-8243-95DC814C3DC9}" type="datetimeFigureOut">
               <a:rPr lang="en-US" smtClean="0"/>
-              <a:t>10/1/2019</a:t>
+              <a:t>10/2/2019</a:t>
             </a:fld>
             <a:endParaRPr lang="en-US"/>
           </a:p>
@@ -6671,7 +6673,7 @@
           <a:p>
             <a:fld id="{096B5631-8577-E648-B608-389A859B729B}" type="datetimeFigureOut">
               <a:rPr lang="en-US" smtClean="0"/>
-              <a:t>10/1/2019</a:t>
+              <a:t>10/2/2019</a:t>
             </a:fld>
             <a:endParaRPr lang="en-US"/>
           </a:p>
@@ -10021,7 +10023,7 @@
           <a:p>
             <a:fld id="{096B5631-8577-E648-B608-389A859B729B}" type="datetimeFigureOut">
               <a:rPr lang="en-US" smtClean="0"/>
-              <a:t>10/1/2019</a:t>
+              <a:t>10/2/2019</a:t>
             </a:fld>
             <a:endParaRPr lang="en-US"/>
           </a:p>
@@ -13458,7 +13460,7 @@
           <a:p>
             <a:fld id="{096B5631-8577-E648-B608-389A859B729B}" type="datetimeFigureOut">
               <a:rPr lang="en-US" smtClean="0"/>
-              <a:t>10/1/2019</a:t>
+              <a:t>10/2/2019</a:t>
             </a:fld>
             <a:endParaRPr lang="en-US"/>
           </a:p>
@@ -13659,7 +13661,7 @@
           <a:p>
             <a:fld id="{096B5631-8577-E648-B608-389A859B729B}" type="datetimeFigureOut">
               <a:rPr lang="en-US" smtClean="0"/>
-              <a:t>10/1/2019</a:t>
+              <a:t>10/2/2019</a:t>
             </a:fld>
             <a:endParaRPr lang="en-US"/>
           </a:p>
@@ -13860,7 +13862,7 @@
           <a:p>
             <a:fld id="{096B5631-8577-E648-B608-389A859B729B}" type="datetimeFigureOut">
               <a:rPr lang="en-US" smtClean="0"/>
-              <a:t>10/1/2019</a:t>
+              <a:t>10/2/2019</a:t>
             </a:fld>
             <a:endParaRPr lang="en-US"/>
           </a:p>
@@ -14212,7 +14214,7 @@
           <a:p>
             <a:fld id="{096B5631-8577-E648-B608-389A859B729B}" type="datetimeFigureOut">
               <a:rPr lang="en-US" smtClean="0"/>
-              <a:t>10/1/2019</a:t>
+              <a:t>10/2/2019</a:t>
             </a:fld>
             <a:endParaRPr lang="en-US"/>
           </a:p>
@@ -14451,7 +14453,7 @@
             <a:fld id="{096B5631-8577-E648-B608-389A859B729B}" type="datetimeFigureOut">
               <a:rPr lang="en-US" smtClean="0"/>
               <a:pPr/>
-              <a:t>10/1/2019</a:t>
+              <a:t>10/2/2019</a:t>
             </a:fld>
             <a:endParaRPr lang="en-US"/>
           </a:p>
@@ -15120,7 +15122,7 @@
           <a:p>
             <a:fld id="{192802A8-6727-C24A-8243-95DC814C3DC9}" type="datetimeFigureOut">
               <a:rPr lang="en-US" smtClean="0"/>
-              <a:t>10/1/2019</a:t>
+              <a:t>10/2/2019</a:t>
             </a:fld>
             <a:endParaRPr lang="en-US"/>
           </a:p>
@@ -16377,6 +16379,94 @@
           <p:cNvPr id="2" name="Title 1">
             <a:extLst>
               <a:ext uri="{FF2B5EF4-FFF2-40B4-BE49-F238E27FC236}">
+                <a16:creationId xmlns:a16="http://schemas.microsoft.com/office/drawing/2014/main" id="{89F9CB45-2D1A-4984-A2CA-734933E30179}"/>
+              </a:ext>
+            </a:extLst>
+          </p:cNvPr>
+          <p:cNvSpPr>
+            <a:spLocks noGrp="1"/>
+          </p:cNvSpPr>
+          <p:nvPr>
+            <p:ph type="title"/>
+          </p:nvPr>
+        </p:nvSpPr>
+        <p:spPr/>
+        <p:txBody>
+          <a:bodyPr/>
+          <a:lstStyle/>
+          <a:p>
+            <a:r>
+              <a:rPr lang="en-US" dirty="0"/>
+              <a:t>Xamarin vs Xamarin Forms?</a:t>
+            </a:r>
+          </a:p>
+        </p:txBody>
+      </p:sp>
+      <p:pic>
+        <p:nvPicPr>
+          <p:cNvPr id="3" name="Picture 2">
+            <a:extLst>
+              <a:ext uri="{FF2B5EF4-FFF2-40B4-BE49-F238E27FC236}">
+                <a16:creationId xmlns:a16="http://schemas.microsoft.com/office/drawing/2014/main" id="{437B48DD-F2B6-4222-9176-9FDB800BF4D8}"/>
+              </a:ext>
+            </a:extLst>
+          </p:cNvPr>
+          <p:cNvPicPr>
+            <a:picLocks noChangeAspect="1"/>
+          </p:cNvPicPr>
+          <p:nvPr/>
+        </p:nvPicPr>
+        <p:blipFill>
+          <a:blip r:embed="rId2"/>
+          <a:stretch>
+            <a:fillRect/>
+          </a:stretch>
+        </p:blipFill>
+        <p:spPr>
+          <a:xfrm>
+            <a:off x="914025" y="2177426"/>
+            <a:ext cx="9774014" cy="3801005"/>
+          </a:xfrm>
+          <a:prstGeom prst="rect">
+            <a:avLst/>
+          </a:prstGeom>
+        </p:spPr>
+      </p:pic>
+    </p:spTree>
+    <p:extLst>
+      <p:ext uri="{BB962C8B-B14F-4D97-AF65-F5344CB8AC3E}">
+        <p14:creationId xmlns:p14="http://schemas.microsoft.com/office/powerpoint/2010/main" val="993865781"/>
+      </p:ext>
+    </p:extLst>
+  </p:cSld>
+  <p:clrMapOvr>
+    <a:masterClrMapping/>
+  </p:clrMapOvr>
+</p:sld>
+</file>
+
+<file path=ppt/slides/slide11.xml><?xml version="1.0" encoding="utf-8"?>
+<p:sld xmlns:a="http://schemas.openxmlformats.org/drawingml/2006/main" xmlns:r="http://schemas.openxmlformats.org/officeDocument/2006/relationships" xmlns:p="http://schemas.openxmlformats.org/presentationml/2006/main">
+  <p:cSld>
+    <p:spTree>
+      <p:nvGrpSpPr>
+        <p:cNvPr id="1" name=""/>
+        <p:cNvGrpSpPr/>
+        <p:nvPr/>
+      </p:nvGrpSpPr>
+      <p:grpSpPr>
+        <a:xfrm>
+          <a:off x="0" y="0"/>
+          <a:ext cx="0" cy="0"/>
+          <a:chOff x="0" y="0"/>
+          <a:chExt cx="0" cy="0"/>
+        </a:xfrm>
+      </p:grpSpPr>
+      <p:sp>
+        <p:nvSpPr>
+          <p:cNvPr id="2" name="Title 1">
+            <a:extLst>
+              <a:ext uri="{FF2B5EF4-FFF2-40B4-BE49-F238E27FC236}">
                 <a16:creationId xmlns:a16="http://schemas.microsoft.com/office/drawing/2014/main" id="{3120E03B-468F-4FA1-9B22-DC89CB35DA4B}"/>
               </a:ext>
             </a:extLst>
@@ -16424,27 +16514,13 @@
         </p:spPr>
         <p:txBody>
           <a:bodyPr>
-            <a:normAutofit fontScale="47500" lnSpcReduction="20000"/>
+            <a:normAutofit lnSpcReduction="10000"/>
           </a:bodyPr>
           <a:lstStyle/>
           <a:p>
             <a:r>
               <a:rPr lang="en-US" dirty="0"/>
-              <a:t>Every </a:t>
-            </a:r>
-            <a:r>
-              <a:rPr lang="en-US" dirty="0" err="1"/>
-              <a:t>Xamarin.Forms</a:t>
-            </a:r>
-            <a:r>
-              <a:rPr lang="en-US" dirty="0"/>
-              <a:t> control has an accompanying renderer for each platform that creates an instance of a native control. </a:t>
-            </a:r>
-          </a:p>
-          <a:p>
-            <a:r>
-              <a:rPr lang="en-US" dirty="0"/>
-              <a:t>Overriding Custom Renderers enable developers to override the default native rendering with their own platform-specific customization.</a:t>
+              <a:t>Custom Renderers</a:t>
             </a:r>
           </a:p>
           <a:p>
@@ -16549,7 +16625,7 @@
 </p:sld>
 </file>
 
-<file path=ppt/slides/slide11.xml><?xml version="1.0" encoding="utf-8"?>
+<file path=ppt/slides/slide12.xml><?xml version="1.0" encoding="utf-8"?>
 <p:sld xmlns:a="http://schemas.openxmlformats.org/drawingml/2006/main" xmlns:r="http://schemas.openxmlformats.org/officeDocument/2006/relationships" xmlns:p="http://schemas.openxmlformats.org/presentationml/2006/main">
   <p:cSld>
     <p:spTree>
@@ -17389,10 +17465,10 @@
           <a:p>
             <a:pPr lvl="1"/>
             <a:r>
-              <a:rPr lang="en-US" b="1" dirty="0" err="1"/>
+              <a:rPr lang="en-US" dirty="0" err="1"/>
               <a:t>SwitchCell</a:t>
             </a:r>
-            <a:endParaRPr lang="en-US" b="1" dirty="0"/>
+            <a:endParaRPr lang="en-US" dirty="0"/>
           </a:p>
           <a:p>
             <a:pPr lvl="1"/>
@@ -17902,7 +17978,7 @@
 </p:sld>
 </file>
 
-<file path=ppt/slides/slide12.xml><?xml version="1.0" encoding="utf-8"?>
+<file path=ppt/slides/slide13.xml><?xml version="1.0" encoding="utf-8"?>
 <p:sld xmlns:a="http://schemas.openxmlformats.org/drawingml/2006/main" xmlns:r="http://schemas.openxmlformats.org/officeDocument/2006/relationships" xmlns:p="http://schemas.openxmlformats.org/presentationml/2006/main">
   <p:cSld>
     <p:spTree>
@@ -18183,7 +18259,7 @@
 </p:sld>
 </file>
 
-<file path=ppt/slides/slide13.xml><?xml version="1.0" encoding="utf-8"?>
+<file path=ppt/slides/slide14.xml><?xml version="1.0" encoding="utf-8"?>
 <p:sld xmlns:a="http://schemas.openxmlformats.org/drawingml/2006/main" xmlns:r="http://schemas.openxmlformats.org/officeDocument/2006/relationships" xmlns:p="http://schemas.openxmlformats.org/presentationml/2006/main">
   <p:cSld>
     <p:spTree>
@@ -18214,6 +18290,257 @@
 </file>
 
 <file path=ppt/slides/slide2.xml><?xml version="1.0" encoding="utf-8"?>
+<p:sld xmlns:a="http://schemas.openxmlformats.org/drawingml/2006/main" xmlns:r="http://schemas.openxmlformats.org/officeDocument/2006/relationships" xmlns:p="http://schemas.openxmlformats.org/presentationml/2006/main">
+  <p:cSld>
+    <p:spTree>
+      <p:nvGrpSpPr>
+        <p:cNvPr id="1" name=""/>
+        <p:cNvGrpSpPr/>
+        <p:nvPr/>
+      </p:nvGrpSpPr>
+      <p:grpSpPr>
+        <a:xfrm>
+          <a:off x="0" y="0"/>
+          <a:ext cx="0" cy="0"/>
+          <a:chOff x="0" y="0"/>
+          <a:chExt cx="0" cy="0"/>
+        </a:xfrm>
+      </p:grpSpPr>
+      <p:sp>
+        <p:nvSpPr>
+          <p:cNvPr id="2" name="Title 1">
+            <a:extLst>
+              <a:ext uri="{FF2B5EF4-FFF2-40B4-BE49-F238E27FC236}">
+                <a16:creationId xmlns:a16="http://schemas.microsoft.com/office/drawing/2014/main" id="{DEDA4E23-7194-4CD9-94D2-1D0908FA2D1B}"/>
+              </a:ext>
+            </a:extLst>
+          </p:cNvPr>
+          <p:cNvSpPr>
+            <a:spLocks noGrp="1"/>
+          </p:cNvSpPr>
+          <p:nvPr>
+            <p:ph type="title"/>
+          </p:nvPr>
+        </p:nvSpPr>
+        <p:spPr/>
+        <p:txBody>
+          <a:bodyPr/>
+          <a:lstStyle/>
+          <a:p>
+            <a:r>
+              <a:rPr lang="en-US" dirty="0"/>
+              <a:t>What we will be covering</a:t>
+            </a:r>
+          </a:p>
+        </p:txBody>
+      </p:sp>
+      <p:sp>
+        <p:nvSpPr>
+          <p:cNvPr id="3" name="Content Placeholder 2">
+            <a:extLst>
+              <a:ext uri="{FF2B5EF4-FFF2-40B4-BE49-F238E27FC236}">
+                <a16:creationId xmlns:a16="http://schemas.microsoft.com/office/drawing/2014/main" id="{A9D3AAE7-5F3F-4C09-B3ED-56F61EC905DE}"/>
+              </a:ext>
+            </a:extLst>
+          </p:cNvPr>
+          <p:cNvSpPr>
+            <a:spLocks noGrp="1"/>
+          </p:cNvSpPr>
+          <p:nvPr>
+            <p:ph sz="quarter" idx="13"/>
+          </p:nvPr>
+        </p:nvSpPr>
+        <p:spPr>
+          <a:xfrm>
+            <a:off x="838200" y="1828800"/>
+            <a:ext cx="10920663" cy="4356100"/>
+          </a:xfrm>
+        </p:spPr>
+        <p:txBody>
+          <a:bodyPr>
+            <a:normAutofit fontScale="77500" lnSpcReduction="20000"/>
+          </a:bodyPr>
+          <a:lstStyle/>
+          <a:p>
+            <a:r>
+              <a:rPr lang="en-US" dirty="0"/>
+              <a:t>This presentation will mainly be a coding demo</a:t>
+            </a:r>
+          </a:p>
+          <a:p>
+            <a:r>
+              <a:rPr lang="en-US" dirty="0"/>
+              <a:t>We will be using C# to build a cross platform Android and iOS application</a:t>
+            </a:r>
+          </a:p>
+          <a:p>
+            <a:r>
+              <a:rPr lang="en-US" dirty="0"/>
+              <a:t>We will spend 5 minutes showing the final application we will be building</a:t>
+            </a:r>
+          </a:p>
+          <a:p>
+            <a:r>
+              <a:rPr lang="en-US" dirty="0"/>
+              <a:t>We will spend 5 minutes for slides introducing Xamarin Forms</a:t>
+            </a:r>
+          </a:p>
+          <a:p>
+            <a:r>
+              <a:rPr lang="en-US" dirty="0"/>
+              <a:t>The remaining time will be spent in C# creating the Demo Racquetball Score Keeper Application for iOS and Android</a:t>
+            </a:r>
+          </a:p>
+          <a:p>
+            <a:r>
+              <a:rPr lang="en-US" dirty="0"/>
+              <a:t>We may go a few minutes long – if we do feel free to leave if you need to.  But lunch is next – so you shouldn’t miss your next class if you decide to stay.</a:t>
+            </a:r>
+          </a:p>
+          <a:p>
+            <a:pPr marL="0" indent="0">
+              <a:buNone/>
+            </a:pPr>
+            <a:endParaRPr lang="en-US" dirty="0"/>
+          </a:p>
+          <a:p>
+            <a:endParaRPr lang="en-US" dirty="0"/>
+          </a:p>
+        </p:txBody>
+      </p:sp>
+    </p:spTree>
+    <p:extLst>
+      <p:ext uri="{BB962C8B-B14F-4D97-AF65-F5344CB8AC3E}">
+        <p14:creationId xmlns:p14="http://schemas.microsoft.com/office/powerpoint/2010/main" val="288688729"/>
+      </p:ext>
+    </p:extLst>
+  </p:cSld>
+  <p:clrMapOvr>
+    <a:masterClrMapping/>
+  </p:clrMapOvr>
+</p:sld>
+</file>
+
+<file path=ppt/slides/slide3.xml><?xml version="1.0" encoding="utf-8"?>
+<p:sld xmlns:a="http://schemas.openxmlformats.org/drawingml/2006/main" xmlns:r="http://schemas.openxmlformats.org/officeDocument/2006/relationships" xmlns:p="http://schemas.openxmlformats.org/presentationml/2006/main">
+  <p:cSld>
+    <p:spTree>
+      <p:nvGrpSpPr>
+        <p:cNvPr id="1" name=""/>
+        <p:cNvGrpSpPr/>
+        <p:nvPr/>
+      </p:nvGrpSpPr>
+      <p:grpSpPr>
+        <a:xfrm>
+          <a:off x="0" y="0"/>
+          <a:ext cx="0" cy="0"/>
+          <a:chOff x="0" y="0"/>
+          <a:chExt cx="0" cy="0"/>
+        </a:xfrm>
+      </p:grpSpPr>
+      <p:sp>
+        <p:nvSpPr>
+          <p:cNvPr id="2" name="Title 1">
+            <a:extLst>
+              <a:ext uri="{FF2B5EF4-FFF2-40B4-BE49-F238E27FC236}">
+                <a16:creationId xmlns:a16="http://schemas.microsoft.com/office/drawing/2014/main" id="{4EDC9DAC-A467-4454-853F-9CD00A4AE536}"/>
+              </a:ext>
+            </a:extLst>
+          </p:cNvPr>
+          <p:cNvSpPr>
+            <a:spLocks noGrp="1"/>
+          </p:cNvSpPr>
+          <p:nvPr>
+            <p:ph type="title"/>
+          </p:nvPr>
+        </p:nvSpPr>
+        <p:spPr/>
+        <p:txBody>
+          <a:bodyPr/>
+          <a:lstStyle/>
+          <a:p>
+            <a:r>
+              <a:rPr lang="en-US" dirty="0"/>
+              <a:t>Racquetball Score Keeper</a:t>
+            </a:r>
+          </a:p>
+        </p:txBody>
+      </p:sp>
+      <p:sp>
+        <p:nvSpPr>
+          <p:cNvPr id="3" name="Content Placeholder 2">
+            <a:extLst>
+              <a:ext uri="{FF2B5EF4-FFF2-40B4-BE49-F238E27FC236}">
+                <a16:creationId xmlns:a16="http://schemas.microsoft.com/office/drawing/2014/main" id="{0F8BC628-92BC-4315-8B59-2D50CC3456B6}"/>
+              </a:ext>
+            </a:extLst>
+          </p:cNvPr>
+          <p:cNvSpPr>
+            <a:spLocks noGrp="1"/>
+          </p:cNvSpPr>
+          <p:nvPr>
+            <p:ph sz="quarter" idx="13"/>
+          </p:nvPr>
+        </p:nvSpPr>
+        <p:spPr/>
+        <p:txBody>
+          <a:bodyPr/>
+          <a:lstStyle/>
+          <a:p>
+            <a:pPr marL="0" indent="0">
+              <a:buNone/>
+            </a:pPr>
+            <a:r>
+              <a:rPr lang="en-US" dirty="0">
+                <a:hlinkClick r:id="rId2"/>
+              </a:rPr>
+              <a:t>https://rbscorekeeper.azurewebsites.net</a:t>
+            </a:r>
+            <a:br>
+              <a:rPr lang="en-US" dirty="0"/>
+            </a:br>
+            <a:r>
+              <a:rPr lang="en-US" dirty="0">
+                <a:hlinkClick r:id="rId3"/>
+              </a:rPr>
+              <a:t>https://rbscorekeeper.azurewebsites.net/stats</a:t>
+            </a:r>
+            <a:br>
+              <a:rPr lang="en-US" dirty="0"/>
+            </a:br>
+            <a:r>
+              <a:rPr lang="en-US" dirty="0">
+                <a:hlinkClick r:id="rId4"/>
+              </a:rPr>
+              <a:t>https://rbscorekeeper.azurewebsites.net/swagger</a:t>
+            </a:r>
+            <a:endParaRPr lang="en-US" dirty="0"/>
+          </a:p>
+          <a:p>
+            <a:pPr marL="0" indent="0">
+              <a:buNone/>
+            </a:pPr>
+            <a:r>
+              <a:rPr lang="en-US" dirty="0"/>
+              <a:t>Show Phone App</a:t>
+            </a:r>
+          </a:p>
+        </p:txBody>
+      </p:sp>
+    </p:spTree>
+    <p:extLst>
+      <p:ext uri="{BB962C8B-B14F-4D97-AF65-F5344CB8AC3E}">
+        <p14:creationId xmlns:p14="http://schemas.microsoft.com/office/powerpoint/2010/main" val="1158155828"/>
+      </p:ext>
+    </p:extLst>
+  </p:cSld>
+  <p:clrMapOvr>
+    <a:masterClrMapping/>
+  </p:clrMapOvr>
+</p:sld>
+</file>
+
+<file path=ppt/slides/slide4.xml><?xml version="1.0" encoding="utf-8"?>
 <p:sld xmlns:a="http://schemas.openxmlformats.org/drawingml/2006/main" xmlns:r="http://schemas.openxmlformats.org/officeDocument/2006/relationships" xmlns:p="http://schemas.openxmlformats.org/presentationml/2006/main">
   <p:cSld>
     <p:spTree>
@@ -18527,7 +18854,7 @@
 </p:sld>
 </file>
 
-<file path=ppt/slides/slide3.xml><?xml version="1.0" encoding="utf-8"?>
+<file path=ppt/slides/slide5.xml><?xml version="1.0" encoding="utf-8"?>
 <p:sld xmlns:a="http://schemas.openxmlformats.org/drawingml/2006/main" xmlns:r="http://schemas.openxmlformats.org/officeDocument/2006/relationships" xmlns:p="http://schemas.openxmlformats.org/presentationml/2006/main">
   <p:cSld>
     <p:spTree>
@@ -19180,7 +19507,7 @@
                                           </p:stCondLst>
                                         </p:cTn>
                                         <p:tgtEl>
-                                          <p:spTgt spid="4"/>
+                                          <p:spTgt spid="9"/>
                                         </p:tgtEl>
                                         <p:attrNameLst>
                                           <p:attrName>style.visibility</p:attrName>
@@ -19194,7 +19521,7 @@
                                       <p:cBhvr>
                                         <p:cTn id="7" dur="500"/>
                                         <p:tgtEl>
-                                          <p:spTgt spid="4"/>
+                                          <p:spTgt spid="9"/>
                                         </p:tgtEl>
                                       </p:cBhvr>
                                     </p:animEffect>
@@ -19233,7 +19560,7 @@
                                           </p:stCondLst>
                                         </p:cTn>
                                         <p:tgtEl>
-                                          <p:spTgt spid="5"/>
+                                          <p:spTgt spid="14"/>
                                         </p:tgtEl>
                                         <p:attrNameLst>
                                           <p:attrName>style.visibility</p:attrName>
@@ -19246,112 +19573,6 @@
                                     <p:animEffect transition="in" filter="fade">
                                       <p:cBhvr>
                                         <p:cTn id="12" dur="500"/>
-                                        <p:tgtEl>
-                                          <p:spTgt spid="5"/>
-                                        </p:tgtEl>
-                                      </p:cBhvr>
-                                    </p:animEffect>
-                                  </p:childTnLst>
-                                </p:cTn>
-                              </p:par>
-                            </p:childTnLst>
-                          </p:cTn>
-                        </p:par>
-                      </p:childTnLst>
-                    </p:cTn>
-                  </p:par>
-                  <p:par>
-                    <p:cTn id="13" fill="hold">
-                      <p:stCondLst>
-                        <p:cond delay="indefinite"/>
-                      </p:stCondLst>
-                      <p:childTnLst>
-                        <p:par>
-                          <p:cTn id="14" fill="hold">
-                            <p:stCondLst>
-                              <p:cond delay="0"/>
-                            </p:stCondLst>
-                            <p:childTnLst>
-                              <p:par>
-                                <p:cTn id="15" presetID="10" presetClass="entr" presetSubtype="0" fill="hold" nodeType="clickEffect">
-                                  <p:stCondLst>
-                                    <p:cond delay="0"/>
-                                  </p:stCondLst>
-                                  <p:childTnLst>
-                                    <p:set>
-                                      <p:cBhvr>
-                                        <p:cTn id="16" dur="1" fill="hold">
-                                          <p:stCondLst>
-                                            <p:cond delay="0"/>
-                                          </p:stCondLst>
-                                        </p:cTn>
-                                        <p:tgtEl>
-                                          <p:spTgt spid="9"/>
-                                        </p:tgtEl>
-                                        <p:attrNameLst>
-                                          <p:attrName>style.visibility</p:attrName>
-                                        </p:attrNameLst>
-                                      </p:cBhvr>
-                                      <p:to>
-                                        <p:strVal val="visible"/>
-                                      </p:to>
-                                    </p:set>
-                                    <p:animEffect transition="in" filter="fade">
-                                      <p:cBhvr>
-                                        <p:cTn id="17" dur="500"/>
-                                        <p:tgtEl>
-                                          <p:spTgt spid="9"/>
-                                        </p:tgtEl>
-                                      </p:cBhvr>
-                                    </p:animEffect>
-                                  </p:childTnLst>
-                                </p:cTn>
-                              </p:par>
-                            </p:childTnLst>
-                          </p:cTn>
-                        </p:par>
-                      </p:childTnLst>
-                    </p:cTn>
-                  </p:par>
-                  <p:par>
-                    <p:cTn id="18" fill="hold">
-                      <p:stCondLst>
-                        <p:cond delay="indefinite"/>
-                      </p:stCondLst>
-                      <p:childTnLst>
-                        <p:par>
-                          <p:cTn id="19" fill="hold">
-                            <p:stCondLst>
-                              <p:cond delay="0"/>
-                            </p:stCondLst>
-                            <p:childTnLst>
-                              <p:par>
-                                <p:cTn id="20" presetID="10" presetClass="entr" presetSubtype="0" fill="hold" nodeType="clickEffect">
-                                  <p:stCondLst>
-                                    <p:cond delay="0"/>
-                                  </p:stCondLst>
-                                  <p:childTnLst>
-                                    <p:set>
-                                      <p:cBhvr>
-                                        <p:cTn id="21" dur="1" fill="hold">
-                                          <p:stCondLst>
-                                            <p:cond delay="0"/>
-                                          </p:stCondLst>
-                                        </p:cTn>
-                                        <p:tgtEl>
-                                          <p:spTgt spid="14"/>
-                                        </p:tgtEl>
-                                        <p:attrNameLst>
-                                          <p:attrName>style.visibility</p:attrName>
-                                        </p:attrNameLst>
-                                      </p:cBhvr>
-                                      <p:to>
-                                        <p:strVal val="visible"/>
-                                      </p:to>
-                                    </p:set>
-                                    <p:animEffect transition="in" filter="fade">
-                                      <p:cBhvr>
-                                        <p:cTn id="22" dur="500"/>
                                         <p:tgtEl>
                                           <p:spTgt spid="14"/>
                                         </p:tgtEl>
@@ -19391,638 +19612,6 @@
 </p:sld>
 </file>
 
-<file path=ppt/slides/slide4.xml><?xml version="1.0" encoding="utf-8"?>
-<p:sld xmlns:a="http://schemas.openxmlformats.org/drawingml/2006/main" xmlns:r="http://schemas.openxmlformats.org/officeDocument/2006/relationships" xmlns:p="http://schemas.openxmlformats.org/presentationml/2006/main">
-  <p:cSld>
-    <p:spTree>
-      <p:nvGrpSpPr>
-        <p:cNvPr id="1" name=""/>
-        <p:cNvGrpSpPr/>
-        <p:nvPr/>
-      </p:nvGrpSpPr>
-      <p:grpSpPr>
-        <a:xfrm>
-          <a:off x="0" y="0"/>
-          <a:ext cx="0" cy="0"/>
-          <a:chOff x="0" y="0"/>
-          <a:chExt cx="0" cy="0"/>
-        </a:xfrm>
-      </p:grpSpPr>
-      <p:sp>
-        <p:nvSpPr>
-          <p:cNvPr id="2" name="Title 1">
-            <a:extLst>
-              <a:ext uri="{FF2B5EF4-FFF2-40B4-BE49-F238E27FC236}">
-                <a16:creationId xmlns:a16="http://schemas.microsoft.com/office/drawing/2014/main" id="{8DD21DBB-0913-4CEA-8719-337E4B2E0B96}"/>
-              </a:ext>
-            </a:extLst>
-          </p:cNvPr>
-          <p:cNvSpPr>
-            <a:spLocks noGrp="1"/>
-          </p:cNvSpPr>
-          <p:nvPr>
-            <p:ph type="title"/>
-          </p:nvPr>
-        </p:nvSpPr>
-        <p:spPr/>
-        <p:txBody>
-          <a:bodyPr/>
-          <a:lstStyle/>
-          <a:p>
-            <a:r>
-              <a:rPr lang="en-US" dirty="0"/>
-              <a:t>Short History Lesson</a:t>
-            </a:r>
-          </a:p>
-        </p:txBody>
-      </p:sp>
-      <p:sp>
-        <p:nvSpPr>
-          <p:cNvPr id="3" name="Content Placeholder 2">
-            <a:extLst>
-              <a:ext uri="{FF2B5EF4-FFF2-40B4-BE49-F238E27FC236}">
-                <a16:creationId xmlns:a16="http://schemas.microsoft.com/office/drawing/2014/main" id="{34F3B639-08EA-4557-9A5A-CD1AC7546DF9}"/>
-              </a:ext>
-            </a:extLst>
-          </p:cNvPr>
-          <p:cNvSpPr>
-            <a:spLocks noGrp="1"/>
-          </p:cNvSpPr>
-          <p:nvPr>
-            <p:ph sz="quarter" idx="13"/>
-          </p:nvPr>
-        </p:nvSpPr>
-        <p:spPr>
-          <a:xfrm>
-            <a:off x="838200" y="1828800"/>
-            <a:ext cx="4402394" cy="4356100"/>
-          </a:xfrm>
-        </p:spPr>
-        <p:txBody>
-          <a:bodyPr>
-            <a:normAutofit fontScale="85000" lnSpcReduction="10000"/>
-          </a:bodyPr>
-          <a:lstStyle/>
-          <a:p>
-            <a:r>
-              <a:rPr lang="en-US" dirty="0"/>
-              <a:t>2000</a:t>
-            </a:r>
-          </a:p>
-          <a:p>
-            <a:pPr lvl="1"/>
-            <a:r>
-              <a:rPr lang="en-US" dirty="0"/>
-              <a:t>.NET Framework Announced</a:t>
-            </a:r>
-          </a:p>
-          <a:p>
-            <a:r>
-              <a:rPr lang="en-US" dirty="0"/>
-              <a:t>2004</a:t>
-            </a:r>
-          </a:p>
-          <a:p>
-            <a:pPr lvl="1"/>
-            <a:r>
-              <a:rPr lang="en-US" dirty="0"/>
-              <a:t>Mono 1.0 Released</a:t>
-            </a:r>
-          </a:p>
-          <a:p>
-            <a:r>
-              <a:rPr lang="en-US" dirty="0"/>
-              <a:t>2011</a:t>
-            </a:r>
-          </a:p>
-          <a:p>
-            <a:pPr lvl="1"/>
-            <a:r>
-              <a:rPr lang="en-US" dirty="0"/>
-              <a:t>Xamarin was Created by the engineers that created Mono</a:t>
-            </a:r>
-          </a:p>
-          <a:p>
-            <a:r>
-              <a:rPr lang="en-US" dirty="0"/>
-              <a:t>2014</a:t>
-            </a:r>
-          </a:p>
-          <a:p>
-            <a:pPr lvl="1"/>
-            <a:r>
-              <a:rPr lang="en-US" dirty="0"/>
-              <a:t>Xamarin Forms introduced</a:t>
-            </a:r>
-          </a:p>
-          <a:p>
-            <a:pPr lvl="1"/>
-            <a:r>
-              <a:rPr lang="en-US" dirty="0" err="1"/>
-              <a:t>.Net</a:t>
-            </a:r>
-            <a:r>
-              <a:rPr lang="en-US" dirty="0"/>
-              <a:t> Core 1.0 announced 2014</a:t>
-            </a:r>
-          </a:p>
-          <a:p>
-            <a:pPr lvl="1"/>
-            <a:endParaRPr lang="en-US" dirty="0"/>
-          </a:p>
-          <a:p>
-            <a:pPr lvl="1"/>
-            <a:endParaRPr lang="en-US" dirty="0"/>
-          </a:p>
-          <a:p>
-            <a:pPr lvl="1"/>
-            <a:endParaRPr lang="en-US" dirty="0"/>
-          </a:p>
-        </p:txBody>
-      </p:sp>
-      <p:sp>
-        <p:nvSpPr>
-          <p:cNvPr id="4" name="Content Placeholder 2">
-            <a:extLst>
-              <a:ext uri="{FF2B5EF4-FFF2-40B4-BE49-F238E27FC236}">
-                <a16:creationId xmlns:a16="http://schemas.microsoft.com/office/drawing/2014/main" id="{68A69C5B-2EEE-4B99-A1C7-720E87A83688}"/>
-              </a:ext>
-            </a:extLst>
-          </p:cNvPr>
-          <p:cNvSpPr txBox="1">
-            <a:spLocks/>
-          </p:cNvSpPr>
-          <p:nvPr/>
-        </p:nvSpPr>
-        <p:spPr>
-          <a:xfrm>
-            <a:off x="5808407" y="1833716"/>
-            <a:ext cx="4402394" cy="4356100"/>
-          </a:xfrm>
-          <a:prstGeom prst="rect">
-            <a:avLst/>
-          </a:prstGeom>
-        </p:spPr>
-        <p:txBody>
-          <a:bodyPr vert="horz" lIns="91440" tIns="45720" rIns="91440" bIns="45720" rtlCol="0">
-            <a:normAutofit fontScale="77500" lnSpcReduction="20000"/>
-          </a:bodyPr>
-          <a:lstStyle>
-            <a:lvl1pPr marL="342900" indent="-342900" algn="l" defTabSz="914400" rtl="0" eaLnBrk="1" latinLnBrk="0" hangingPunct="1">
-              <a:lnSpc>
-                <a:spcPct val="150000"/>
-              </a:lnSpc>
-              <a:spcBef>
-                <a:spcPts val="1000"/>
-              </a:spcBef>
-              <a:buClr>
-                <a:srgbClr val="E95C2B"/>
-              </a:buClr>
-              <a:buSzPct val="75000"/>
-              <a:buFont typeface="Webdings" panose="05030102010509060703" pitchFamily="18" charset="2"/>
-              <a:buChar char="&lt;"/>
-              <a:defRPr sz="2800" b="0" i="0" kern="1200">
-                <a:solidFill>
-                  <a:srgbClr val="143250"/>
-                </a:solidFill>
-                <a:latin typeface="Arial" panose="020B0604020202020204" pitchFamily="34" charset="0"/>
-                <a:ea typeface="Arial" panose="020B0604020202020204" pitchFamily="34" charset="0"/>
-                <a:cs typeface="Arial" panose="020B0604020202020204" pitchFamily="34" charset="0"/>
-              </a:defRPr>
-            </a:lvl1pPr>
-            <a:lvl2pPr marL="685800" indent="-228600" algn="l" defTabSz="914400" rtl="0" eaLnBrk="1" latinLnBrk="0" hangingPunct="1">
-              <a:lnSpc>
-                <a:spcPct val="90000"/>
-              </a:lnSpc>
-              <a:spcBef>
-                <a:spcPts val="500"/>
-              </a:spcBef>
-              <a:buClr>
-                <a:srgbClr val="E95C2B"/>
-              </a:buClr>
-              <a:buSzPct val="75000"/>
-              <a:buFont typeface="Webdings" panose="05030102010509060703" pitchFamily="18" charset="2"/>
-              <a:buChar char="&lt;"/>
-              <a:defRPr sz="2400" b="0" i="0" kern="1200">
-                <a:solidFill>
-                  <a:srgbClr val="143250"/>
-                </a:solidFill>
-                <a:latin typeface="Arial" panose="020B0604020202020204" pitchFamily="34" charset="0"/>
-                <a:ea typeface="Arial" panose="020B0604020202020204" pitchFamily="34" charset="0"/>
-                <a:cs typeface="Arial" panose="020B0604020202020204" pitchFamily="34" charset="0"/>
-              </a:defRPr>
-            </a:lvl2pPr>
-            <a:lvl3pPr marL="1143000" indent="-228600" algn="l" defTabSz="914400" rtl="0" eaLnBrk="1" latinLnBrk="0" hangingPunct="1">
-              <a:lnSpc>
-                <a:spcPct val="90000"/>
-              </a:lnSpc>
-              <a:spcBef>
-                <a:spcPts val="500"/>
-              </a:spcBef>
-              <a:buClr>
-                <a:srgbClr val="E95C2B"/>
-              </a:buClr>
-              <a:buFont typeface="Webdings" panose="05030102010509060703" pitchFamily="18" charset="2"/>
-              <a:buChar char="&lt;"/>
-              <a:defRPr sz="2000" b="0" i="0" kern="1200">
-                <a:solidFill>
-                  <a:srgbClr val="143250"/>
-                </a:solidFill>
-                <a:latin typeface="Arial" panose="020B0604020202020204" pitchFamily="34" charset="0"/>
-                <a:ea typeface="Arial" panose="020B0604020202020204" pitchFamily="34" charset="0"/>
-                <a:cs typeface="Arial" panose="020B0604020202020204" pitchFamily="34" charset="0"/>
-              </a:defRPr>
-            </a:lvl3pPr>
-            <a:lvl4pPr marL="1600200" indent="-228600" algn="l" defTabSz="914400" rtl="0" eaLnBrk="1" latinLnBrk="0" hangingPunct="1">
-              <a:lnSpc>
-                <a:spcPct val="90000"/>
-              </a:lnSpc>
-              <a:spcBef>
-                <a:spcPts val="500"/>
-              </a:spcBef>
-              <a:buClr>
-                <a:srgbClr val="E95C2B"/>
-              </a:buClr>
-              <a:buFont typeface="Webdings" panose="05030102010509060703" pitchFamily="18" charset="2"/>
-              <a:buChar char="&lt;"/>
-              <a:defRPr sz="1800" b="0" i="0" kern="1200">
-                <a:solidFill>
-                  <a:srgbClr val="143250"/>
-                </a:solidFill>
-                <a:latin typeface="Arial" panose="020B0604020202020204" pitchFamily="34" charset="0"/>
-                <a:ea typeface="Arial" panose="020B0604020202020204" pitchFamily="34" charset="0"/>
-                <a:cs typeface="Arial" panose="020B0604020202020204" pitchFamily="34" charset="0"/>
-              </a:defRPr>
-            </a:lvl4pPr>
-            <a:lvl5pPr marL="2057400" indent="-228600" algn="l" defTabSz="914400" rtl="0" eaLnBrk="1" latinLnBrk="0" hangingPunct="1">
-              <a:lnSpc>
-                <a:spcPct val="90000"/>
-              </a:lnSpc>
-              <a:spcBef>
-                <a:spcPts val="500"/>
-              </a:spcBef>
-              <a:buClr>
-                <a:srgbClr val="E95C2B"/>
-              </a:buClr>
-              <a:buFont typeface="Webdings" panose="05030102010509060703" pitchFamily="18" charset="2"/>
-              <a:buChar char="&lt;"/>
-              <a:defRPr sz="1800" b="0" i="0" kern="1200">
-                <a:solidFill>
-                  <a:srgbClr val="143250"/>
-                </a:solidFill>
-                <a:latin typeface="Arial" panose="020B0604020202020204" pitchFamily="34" charset="0"/>
-                <a:ea typeface="Arial" panose="020B0604020202020204" pitchFamily="34" charset="0"/>
-                <a:cs typeface="Arial" panose="020B0604020202020204" pitchFamily="34" charset="0"/>
-              </a:defRPr>
-            </a:lvl5pPr>
-            <a:lvl6pPr marL="2514600" indent="-228600" algn="l" defTabSz="914400" rtl="0" eaLnBrk="1" latinLnBrk="0" hangingPunct="1">
-              <a:lnSpc>
-                <a:spcPct val="90000"/>
-              </a:lnSpc>
-              <a:spcBef>
-                <a:spcPts val="500"/>
-              </a:spcBef>
-              <a:buFont typeface="Arial"/>
-              <a:buChar char="•"/>
-              <a:defRPr sz="1800" kern="1200">
-                <a:solidFill>
-                  <a:schemeClr val="tx1"/>
-                </a:solidFill>
-                <a:latin typeface="+mn-lt"/>
-                <a:ea typeface="+mn-ea"/>
-                <a:cs typeface="+mn-cs"/>
-              </a:defRPr>
-            </a:lvl6pPr>
-            <a:lvl7pPr marL="2971800" indent="-228600" algn="l" defTabSz="914400" rtl="0" eaLnBrk="1" latinLnBrk="0" hangingPunct="1">
-              <a:lnSpc>
-                <a:spcPct val="90000"/>
-              </a:lnSpc>
-              <a:spcBef>
-                <a:spcPts val="500"/>
-              </a:spcBef>
-              <a:buFont typeface="Arial"/>
-              <a:buChar char="•"/>
-              <a:defRPr sz="1800" kern="1200">
-                <a:solidFill>
-                  <a:schemeClr val="tx1"/>
-                </a:solidFill>
-                <a:latin typeface="+mn-lt"/>
-                <a:ea typeface="+mn-ea"/>
-                <a:cs typeface="+mn-cs"/>
-              </a:defRPr>
-            </a:lvl7pPr>
-            <a:lvl8pPr marL="3429000" indent="-228600" algn="l" defTabSz="914400" rtl="0" eaLnBrk="1" latinLnBrk="0" hangingPunct="1">
-              <a:lnSpc>
-                <a:spcPct val="90000"/>
-              </a:lnSpc>
-              <a:spcBef>
-                <a:spcPts val="500"/>
-              </a:spcBef>
-              <a:buFont typeface="Arial"/>
-              <a:buChar char="•"/>
-              <a:defRPr sz="1800" kern="1200">
-                <a:solidFill>
-                  <a:schemeClr val="tx1"/>
-                </a:solidFill>
-                <a:latin typeface="+mn-lt"/>
-                <a:ea typeface="+mn-ea"/>
-                <a:cs typeface="+mn-cs"/>
-              </a:defRPr>
-            </a:lvl8pPr>
-            <a:lvl9pPr marL="3886200" indent="-228600" algn="l" defTabSz="914400" rtl="0" eaLnBrk="1" latinLnBrk="0" hangingPunct="1">
-              <a:lnSpc>
-                <a:spcPct val="90000"/>
-              </a:lnSpc>
-              <a:spcBef>
-                <a:spcPts val="500"/>
-              </a:spcBef>
-              <a:buFont typeface="Arial"/>
-              <a:buChar char="•"/>
-              <a:defRPr sz="1800" kern="1200">
-                <a:solidFill>
-                  <a:schemeClr val="tx1"/>
-                </a:solidFill>
-                <a:latin typeface="+mn-lt"/>
-                <a:ea typeface="+mn-ea"/>
-                <a:cs typeface="+mn-cs"/>
-              </a:defRPr>
-            </a:lvl9pPr>
-          </a:lstStyle>
-          <a:p>
-            <a:r>
-              <a:rPr lang="en-US" dirty="0"/>
-              <a:t>2016</a:t>
-            </a:r>
-          </a:p>
-          <a:p>
-            <a:pPr lvl="1"/>
-            <a:r>
-              <a:rPr lang="en-US" dirty="0"/>
-              <a:t>Xamarin acquired by Microsoft</a:t>
-            </a:r>
-          </a:p>
-          <a:p>
-            <a:pPr lvl="1"/>
-            <a:r>
-              <a:rPr lang="en-US" dirty="0"/>
-              <a:t>.NET Core 1.0 released</a:t>
-            </a:r>
-          </a:p>
-          <a:p>
-            <a:pPr lvl="1"/>
-            <a:r>
-              <a:rPr lang="en-US" dirty="0"/>
-              <a:t>Visual Studio Code released 2016</a:t>
-            </a:r>
-          </a:p>
-          <a:p>
-            <a:r>
-              <a:rPr lang="en-US" dirty="0"/>
-              <a:t>2017 </a:t>
-            </a:r>
-          </a:p>
-          <a:p>
-            <a:pPr lvl="1"/>
-            <a:r>
-              <a:rPr lang="en-US" dirty="0"/>
-              <a:t>Visual Studio for Mac released</a:t>
-            </a:r>
-          </a:p>
-          <a:p>
-            <a:r>
-              <a:rPr lang="en-US" dirty="0"/>
-              <a:t>2018</a:t>
-            </a:r>
-          </a:p>
-          <a:p>
-            <a:pPr lvl="1"/>
-            <a:r>
-              <a:rPr lang="en-US" dirty="0" err="1"/>
-              <a:t>.Net</a:t>
-            </a:r>
-            <a:r>
-              <a:rPr lang="en-US" dirty="0"/>
-              <a:t> Core 2.0 Released</a:t>
-            </a:r>
-          </a:p>
-          <a:p>
-            <a:pPr lvl="1"/>
-            <a:r>
-              <a:rPr lang="en-US" dirty="0"/>
-              <a:t>Xamarin Forms 4 Released</a:t>
-            </a:r>
-          </a:p>
-          <a:p>
-            <a:r>
-              <a:rPr lang="en-US" dirty="0"/>
-              <a:t>2019</a:t>
-            </a:r>
-          </a:p>
-          <a:p>
-            <a:pPr lvl="1"/>
-            <a:r>
-              <a:rPr lang="en-US" dirty="0" err="1"/>
-              <a:t>.Net</a:t>
-            </a:r>
-            <a:r>
-              <a:rPr lang="en-US" dirty="0"/>
-              <a:t> Core 3.0 September</a:t>
-            </a:r>
-          </a:p>
-          <a:p>
-            <a:pPr lvl="1"/>
-            <a:endParaRPr lang="en-US" dirty="0"/>
-          </a:p>
-          <a:p>
-            <a:pPr lvl="1"/>
-            <a:endParaRPr lang="en-US" dirty="0"/>
-          </a:p>
-          <a:p>
-            <a:pPr lvl="1"/>
-            <a:endParaRPr lang="en-US" dirty="0"/>
-          </a:p>
-        </p:txBody>
-      </p:sp>
-    </p:spTree>
-    <p:extLst>
-      <p:ext uri="{BB962C8B-B14F-4D97-AF65-F5344CB8AC3E}">
-        <p14:creationId xmlns:p14="http://schemas.microsoft.com/office/powerpoint/2010/main" val="2305675682"/>
-      </p:ext>
-    </p:extLst>
-  </p:cSld>
-  <p:clrMapOvr>
-    <a:masterClrMapping/>
-  </p:clrMapOvr>
-</p:sld>
-</file>
-
-<file path=ppt/slides/slide5.xml><?xml version="1.0" encoding="utf-8"?>
-<p:sld xmlns:a="http://schemas.openxmlformats.org/drawingml/2006/main" xmlns:r="http://schemas.openxmlformats.org/officeDocument/2006/relationships" xmlns:p="http://schemas.openxmlformats.org/presentationml/2006/main">
-  <p:cSld>
-    <p:spTree>
-      <p:nvGrpSpPr>
-        <p:cNvPr id="1" name=""/>
-        <p:cNvGrpSpPr/>
-        <p:nvPr/>
-      </p:nvGrpSpPr>
-      <p:grpSpPr>
-        <a:xfrm>
-          <a:off x="0" y="0"/>
-          <a:ext cx="0" cy="0"/>
-          <a:chOff x="0" y="0"/>
-          <a:chExt cx="0" cy="0"/>
-        </a:xfrm>
-      </p:grpSpPr>
-      <p:sp>
-        <p:nvSpPr>
-          <p:cNvPr id="2" name="Title 1">
-            <a:extLst>
-              <a:ext uri="{FF2B5EF4-FFF2-40B4-BE49-F238E27FC236}">
-                <a16:creationId xmlns:a16="http://schemas.microsoft.com/office/drawing/2014/main" id="{1121F2CF-A3BA-4268-AFA6-49938BD77BA3}"/>
-              </a:ext>
-            </a:extLst>
-          </p:cNvPr>
-          <p:cNvSpPr>
-            <a:spLocks noGrp="1"/>
-          </p:cNvSpPr>
-          <p:nvPr>
-            <p:ph type="title"/>
-          </p:nvPr>
-        </p:nvSpPr>
-        <p:spPr/>
-        <p:txBody>
-          <a:bodyPr/>
-          <a:lstStyle/>
-          <a:p>
-            <a:r>
-              <a:rPr lang="en-US" dirty="0"/>
-              <a:t>Why Xamarin?</a:t>
-            </a:r>
-          </a:p>
-        </p:txBody>
-      </p:sp>
-      <p:sp>
-        <p:nvSpPr>
-          <p:cNvPr id="3" name="Content Placeholder 2">
-            <a:extLst>
-              <a:ext uri="{FF2B5EF4-FFF2-40B4-BE49-F238E27FC236}">
-                <a16:creationId xmlns:a16="http://schemas.microsoft.com/office/drawing/2014/main" id="{0594201C-65A8-4B29-8AB2-7258F2AA82D8}"/>
-              </a:ext>
-            </a:extLst>
-          </p:cNvPr>
-          <p:cNvSpPr>
-            <a:spLocks noGrp="1"/>
-          </p:cNvSpPr>
-          <p:nvPr>
-            <p:ph sz="quarter" idx="13"/>
-          </p:nvPr>
-        </p:nvSpPr>
-        <p:spPr>
-          <a:xfrm>
-            <a:off x="838200" y="1828800"/>
-            <a:ext cx="5830004" cy="4356100"/>
-          </a:xfrm>
-        </p:spPr>
-        <p:txBody>
-          <a:bodyPr>
-            <a:normAutofit fontScale="70000" lnSpcReduction="20000"/>
-          </a:bodyPr>
-          <a:lstStyle/>
-          <a:p>
-            <a:r>
-              <a:rPr lang="en-US" dirty="0"/>
-              <a:t>Use a single team and single </a:t>
-            </a:r>
-            <a:r>
-              <a:rPr lang="en-US" b="1" dirty="0"/>
-              <a:t>C# </a:t>
-            </a:r>
-            <a:r>
-              <a:rPr lang="en-US" dirty="0"/>
-              <a:t>codebase</a:t>
-            </a:r>
-          </a:p>
-          <a:p>
-            <a:r>
-              <a:rPr lang="en-US" dirty="0"/>
-              <a:t>You get 100% native API access to IOS, Android and Windows</a:t>
-            </a:r>
-          </a:p>
-          <a:p>
-            <a:r>
-              <a:rPr lang="en-US" dirty="0"/>
-              <a:t>Anything you can do in Objective-C, Swift, or Java can be done in C# natively with Xamarin</a:t>
-            </a:r>
-          </a:p>
-          <a:p>
-            <a:r>
-              <a:rPr lang="en-US" b="1" dirty="0"/>
-              <a:t>Native</a:t>
-            </a:r>
-            <a:r>
-              <a:rPr lang="en-US" dirty="0"/>
-              <a:t> Performance and User Experience</a:t>
-            </a:r>
-          </a:p>
-          <a:p>
-            <a:r>
-              <a:rPr lang="en-US" dirty="0"/>
-              <a:t>Xamarin is fully </a:t>
-            </a:r>
-            <a:r>
-              <a:rPr lang="en-US" b="1" dirty="0"/>
-              <a:t>open-source</a:t>
-            </a:r>
-            <a:r>
-              <a:rPr lang="en-US" dirty="0"/>
-              <a:t> and free</a:t>
-            </a:r>
-          </a:p>
-        </p:txBody>
-      </p:sp>
-      <p:pic>
-        <p:nvPicPr>
-          <p:cNvPr id="4" name="Picture 3">
-            <a:extLst>
-              <a:ext uri="{FF2B5EF4-FFF2-40B4-BE49-F238E27FC236}">
-                <a16:creationId xmlns:a16="http://schemas.microsoft.com/office/drawing/2014/main" id="{EE525BDE-52DB-424E-AB77-0DC30B8809A5}"/>
-              </a:ext>
-            </a:extLst>
-          </p:cNvPr>
-          <p:cNvPicPr>
-            <a:picLocks noChangeAspect="1"/>
-          </p:cNvPicPr>
-          <p:nvPr/>
-        </p:nvPicPr>
-        <p:blipFill>
-          <a:blip r:embed="rId2"/>
-          <a:stretch>
-            <a:fillRect/>
-          </a:stretch>
-        </p:blipFill>
-        <p:spPr>
-          <a:xfrm>
-            <a:off x="6668204" y="2196847"/>
-            <a:ext cx="5325218" cy="3620005"/>
-          </a:xfrm>
-          <a:prstGeom prst="rect">
-            <a:avLst/>
-          </a:prstGeom>
-        </p:spPr>
-      </p:pic>
-    </p:spTree>
-    <p:extLst>
-      <p:ext uri="{BB962C8B-B14F-4D97-AF65-F5344CB8AC3E}">
-        <p14:creationId xmlns:p14="http://schemas.microsoft.com/office/powerpoint/2010/main" val="3546200062"/>
-      </p:ext>
-    </p:extLst>
-  </p:cSld>
-  <p:clrMapOvr>
-    <a:masterClrMapping/>
-  </p:clrMapOvr>
-</p:sld>
-</file>
-
 <file path=ppt/slides/slide6.xml><?xml version="1.0" encoding="utf-8"?>
 <p:sld xmlns:a="http://schemas.openxmlformats.org/drawingml/2006/main" xmlns:r="http://schemas.openxmlformats.org/officeDocument/2006/relationships" xmlns:p="http://schemas.openxmlformats.org/presentationml/2006/main">
   <p:cSld>
@@ -20045,7 +19634,7 @@
           <p:cNvPr id="2" name="Title 1">
             <a:extLst>
               <a:ext uri="{FF2B5EF4-FFF2-40B4-BE49-F238E27FC236}">
-                <a16:creationId xmlns:a16="http://schemas.microsoft.com/office/drawing/2014/main" id="{451419E7-2F41-45C8-8064-1F00A83197EE}"/>
+                <a16:creationId xmlns:a16="http://schemas.microsoft.com/office/drawing/2014/main" id="{8DD21DBB-0913-4CEA-8719-337E4B2E0B96}"/>
               </a:ext>
             </a:extLst>
           </p:cNvPr>
@@ -20063,7 +19652,7 @@
           <a:p>
             <a:r>
               <a:rPr lang="en-US" dirty="0"/>
-              <a:t>How does Xamarin Work?</a:t>
+              <a:t>Short History Lesson</a:t>
             </a:r>
           </a:p>
         </p:txBody>
@@ -20073,7 +19662,7 @@
           <p:cNvPr id="3" name="Content Placeholder 2">
             <a:extLst>
               <a:ext uri="{FF2B5EF4-FFF2-40B4-BE49-F238E27FC236}">
-                <a16:creationId xmlns:a16="http://schemas.microsoft.com/office/drawing/2014/main" id="{38823235-ED92-42D3-9067-ED9C3754F7CB}"/>
+                <a16:creationId xmlns:a16="http://schemas.microsoft.com/office/drawing/2014/main" id="{34F3B639-08EA-4557-9A5A-CD1AC7546DF9}"/>
               </a:ext>
             </a:extLst>
           </p:cNvPr>
@@ -20087,90 +19676,70 @@
         <p:spPr>
           <a:xfrm>
             <a:off x="838200" y="1828800"/>
-            <a:ext cx="5454445" cy="4356100"/>
+            <a:ext cx="10728158" cy="4356100"/>
           </a:xfrm>
         </p:spPr>
         <p:txBody>
           <a:bodyPr>
-            <a:normAutofit lnSpcReduction="10000"/>
+            <a:normAutofit/>
           </a:bodyPr>
           <a:lstStyle/>
           <a:p>
             <a:r>
-              <a:rPr lang="en-US" dirty="0" err="1"/>
-              <a:t>Xamarin.IOS</a:t>
-            </a:r>
-            <a:r>
               <a:rPr lang="en-US" dirty="0"/>
-              <a:t> and Xamarin Android are both </a:t>
-            </a:r>
-            <a:r>
-              <a:rPr lang="en-US" b="1" dirty="0"/>
-              <a:t>built on top of Mono</a:t>
-            </a:r>
+              <a:t>2011 – Xamarin Created</a:t>
+            </a:r>
+          </a:p>
+          <a:p>
             <a:r>
               <a:rPr lang="en-US" dirty="0"/>
-              <a:t> – an open source version of the </a:t>
-            </a:r>
-            <a:r>
-              <a:rPr lang="en-US" dirty="0" err="1"/>
-              <a:t>.Net</a:t>
-            </a:r>
+              <a:t>2014 – Xamarin Forms</a:t>
+            </a:r>
+          </a:p>
+          <a:p>
             <a:r>
               <a:rPr lang="en-US" dirty="0"/>
-              <a:t> Framework.</a:t>
+              <a:t>2016 – Xamarin acquired by Microsoft</a:t>
             </a:r>
           </a:p>
           <a:p>
             <a:r>
               <a:rPr lang="en-US" dirty="0"/>
-              <a:t>C# Bindings for </a:t>
-            </a:r>
-            <a:r>
-              <a:rPr lang="en-US" u="sng" dirty="0"/>
-              <a:t>every</a:t>
-            </a:r>
+              <a:t>2017 – Visual Studio for Mac released</a:t>
+            </a:r>
+          </a:p>
+          <a:p>
             <a:r>
               <a:rPr lang="en-US" dirty="0"/>
-              <a:t> single API on iOS and Android have been created.</a:t>
-            </a:r>
-          </a:p>
-        </p:txBody>
-      </p:sp>
-      <p:pic>
-        <p:nvPicPr>
-          <p:cNvPr id="4" name="Picture 3">
-            <a:extLst>
-              <a:ext uri="{FF2B5EF4-FFF2-40B4-BE49-F238E27FC236}">
-                <a16:creationId xmlns:a16="http://schemas.microsoft.com/office/drawing/2014/main" id="{26CDFBEC-57B1-4DB5-BD75-04F2A2632EA0}"/>
-              </a:ext>
-            </a:extLst>
-          </p:cNvPr>
-          <p:cNvPicPr>
-            <a:picLocks noChangeAspect="1"/>
-          </p:cNvPicPr>
-          <p:nvPr/>
-        </p:nvPicPr>
-        <p:blipFill>
-          <a:blip r:embed="rId2"/>
-          <a:stretch>
-            <a:fillRect/>
-          </a:stretch>
-        </p:blipFill>
-        <p:spPr>
-          <a:xfrm>
-            <a:off x="6570799" y="2468348"/>
-            <a:ext cx="5382376" cy="3077004"/>
-          </a:xfrm>
-          <a:prstGeom prst="rect">
-            <a:avLst/>
-          </a:prstGeom>
-        </p:spPr>
-      </p:pic>
+              <a:t>2018 – Xamarin Forms 4 Released</a:t>
+            </a:r>
+          </a:p>
+          <a:p>
+            <a:pPr marL="0" indent="0">
+              <a:buNone/>
+            </a:pPr>
+            <a:endParaRPr lang="en-US" dirty="0"/>
+          </a:p>
+          <a:p>
+            <a:pPr marL="457200" lvl="1" indent="0">
+              <a:buNone/>
+            </a:pPr>
+            <a:endParaRPr lang="en-US" dirty="0"/>
+          </a:p>
+          <a:p>
+            <a:pPr lvl="1"/>
+            <a:endParaRPr lang="en-US" dirty="0"/>
+          </a:p>
+          <a:p>
+            <a:pPr lvl="1"/>
+            <a:endParaRPr lang="en-US" dirty="0"/>
+          </a:p>
+        </p:txBody>
+      </p:sp>
     </p:spTree>
     <p:extLst>
       <p:ext uri="{BB962C8B-B14F-4D97-AF65-F5344CB8AC3E}">
-        <p14:creationId xmlns:p14="http://schemas.microsoft.com/office/powerpoint/2010/main" val="2392048608"/>
+        <p14:creationId xmlns:p14="http://schemas.microsoft.com/office/powerpoint/2010/main" val="2305675682"/>
       </p:ext>
     </p:extLst>
   </p:cSld>
@@ -20202,7 +19771,7 @@
           <p:cNvPr id="2" name="Title 1">
             <a:extLst>
               <a:ext uri="{FF2B5EF4-FFF2-40B4-BE49-F238E27FC236}">
-                <a16:creationId xmlns:a16="http://schemas.microsoft.com/office/drawing/2014/main" id="{2595E59F-DA08-4532-B5A0-185533A6D9E7}"/>
+                <a16:creationId xmlns:a16="http://schemas.microsoft.com/office/drawing/2014/main" id="{1121F2CF-A3BA-4268-AFA6-49938BD77BA3}"/>
               </a:ext>
             </a:extLst>
           </p:cNvPr>
@@ -20220,7 +19789,7 @@
           <a:p>
             <a:r>
               <a:rPr lang="en-US" dirty="0"/>
-              <a:t>Xamarin - iOS</a:t>
+              <a:t>Why Xamarin?</a:t>
             </a:r>
           </a:p>
         </p:txBody>
@@ -20230,7 +19799,7 @@
           <p:cNvPr id="3" name="Content Placeholder 2">
             <a:extLst>
               <a:ext uri="{FF2B5EF4-FFF2-40B4-BE49-F238E27FC236}">
-                <a16:creationId xmlns:a16="http://schemas.microsoft.com/office/drawing/2014/main" id="{CD3F2684-1C76-4A05-9211-16F36A2D788E}"/>
+                <a16:creationId xmlns:a16="http://schemas.microsoft.com/office/drawing/2014/main" id="{0594201C-65A8-4B29-8AB2-7258F2AA82D8}"/>
               </a:ext>
             </a:extLst>
           </p:cNvPr>
@@ -20244,48 +19813,77 @@
         <p:spPr>
           <a:xfrm>
             <a:off x="838200" y="1828800"/>
-            <a:ext cx="5828071" cy="4356100"/>
+            <a:ext cx="5830004" cy="4356100"/>
           </a:xfrm>
         </p:spPr>
         <p:txBody>
           <a:bodyPr>
-            <a:normAutofit fontScale="62500" lnSpcReduction="20000"/>
+            <a:normAutofit fontScale="92500"/>
           </a:bodyPr>
           <a:lstStyle/>
           <a:p>
             <a:r>
               <a:rPr lang="en-US" dirty="0"/>
-              <a:t>In iOS, Xamarin’s Ahead of Time (AOT) Compiler compiles Xamarin applications directly to native ARM assembly code.</a:t>
+              <a:t>Use a </a:t>
+            </a:r>
+            <a:r>
+              <a:rPr lang="en-US" b="1" dirty="0"/>
+              <a:t>single team </a:t>
             </a:r>
           </a:p>
           <a:p>
             <a:r>
               <a:rPr lang="en-US" dirty="0"/>
-              <a:t>When Xamarin applications are compiled, the result is an Application package: </a:t>
-            </a:r>
-          </a:p>
-          <a:p>
+              <a:t>Use a single </a:t>
+            </a:r>
             <a:r>
               <a:rPr lang="en-US" b="1" dirty="0"/>
-              <a:t>iOS - .app file</a:t>
-            </a:r>
-          </a:p>
-          <a:p>
+              <a:t>C# </a:t>
+            </a:r>
             <a:r>
               <a:rPr lang="en-US" dirty="0"/>
-              <a:t>These files are </a:t>
-            </a:r>
+              <a:t>codebase</a:t>
+            </a:r>
+          </a:p>
+          <a:p>
+            <a:r>
+              <a:rPr lang="en-US" dirty="0"/>
+              <a:t>100% native API access</a:t>
+            </a:r>
+          </a:p>
+          <a:p>
             <a:r>
               <a:rPr lang="en-US" b="1" dirty="0"/>
-              <a:t>indistinguishable</a:t>
+              <a:t>Native</a:t>
             </a:r>
             <a:r>
               <a:rPr lang="en-US" dirty="0"/>
-              <a:t> from application packages built with the platform’s default IDEs and are deployed in the exact same way</a:t>
-            </a:r>
-          </a:p>
-          <a:p>
-            <a:endParaRPr lang="en-US" dirty="0"/>
+              <a:t> performance </a:t>
+            </a:r>
+          </a:p>
+          <a:p>
+            <a:r>
+              <a:rPr lang="en-US" b="1" dirty="0"/>
+              <a:t>Native</a:t>
+            </a:r>
+            <a:r>
+              <a:rPr lang="en-US" dirty="0"/>
+              <a:t> user experience</a:t>
+            </a:r>
+          </a:p>
+          <a:p>
+            <a:r>
+              <a:rPr lang="en-US" dirty="0"/>
+              <a:t>Xamarin is </a:t>
+            </a:r>
+            <a:r>
+              <a:rPr lang="en-US" b="1" dirty="0"/>
+              <a:t>open-source</a:t>
+            </a:r>
+            <a:r>
+              <a:rPr lang="en-US" dirty="0"/>
+              <a:t> and free</a:t>
+            </a:r>
           </a:p>
         </p:txBody>
       </p:sp>
@@ -20294,7 +19892,7 @@
           <p:cNvPr id="4" name="Picture 3">
             <a:extLst>
               <a:ext uri="{FF2B5EF4-FFF2-40B4-BE49-F238E27FC236}">
-                <a16:creationId xmlns:a16="http://schemas.microsoft.com/office/drawing/2014/main" id="{DBA23391-6F2F-46D4-8815-6128B656EE1C}"/>
+                <a16:creationId xmlns:a16="http://schemas.microsoft.com/office/drawing/2014/main" id="{EE525BDE-52DB-424E-AB77-0DC30B8809A5}"/>
               </a:ext>
             </a:extLst>
           </p:cNvPr>
@@ -20311,8 +19909,8 @@
         </p:blipFill>
         <p:spPr>
           <a:xfrm>
-            <a:off x="6666271" y="1828800"/>
-            <a:ext cx="5284594" cy="2798809"/>
+            <a:off x="6668204" y="2196847"/>
+            <a:ext cx="5325218" cy="3620005"/>
           </a:xfrm>
           <a:prstGeom prst="rect">
             <a:avLst/>
@@ -20322,7 +19920,7 @@
     </p:spTree>
     <p:extLst>
       <p:ext uri="{BB962C8B-B14F-4D97-AF65-F5344CB8AC3E}">
-        <p14:creationId xmlns:p14="http://schemas.microsoft.com/office/powerpoint/2010/main" val="3593563074"/>
+        <p14:creationId xmlns:p14="http://schemas.microsoft.com/office/powerpoint/2010/main" val="3546200062"/>
       </p:ext>
     </p:extLst>
   </p:cSld>
@@ -20354,7 +19952,7 @@
           <p:cNvPr id="2" name="Title 1">
             <a:extLst>
               <a:ext uri="{FF2B5EF4-FFF2-40B4-BE49-F238E27FC236}">
-                <a16:creationId xmlns:a16="http://schemas.microsoft.com/office/drawing/2014/main" id="{0716AA06-AE24-4236-AC84-D24BC8CE70AF}"/>
+                <a16:creationId xmlns:a16="http://schemas.microsoft.com/office/drawing/2014/main" id="{451419E7-2F41-45C8-8064-1F00A83197EE}"/>
               </a:ext>
             </a:extLst>
           </p:cNvPr>
@@ -20372,7 +19970,7 @@
           <a:p>
             <a:r>
               <a:rPr lang="en-US" dirty="0"/>
-              <a:t>Xamarin - Android</a:t>
+              <a:t>How does Xamarin Work?</a:t>
             </a:r>
           </a:p>
         </p:txBody>
@@ -20382,7 +19980,7 @@
           <p:cNvPr id="3" name="Content Placeholder 2">
             <a:extLst>
               <a:ext uri="{FF2B5EF4-FFF2-40B4-BE49-F238E27FC236}">
-                <a16:creationId xmlns:a16="http://schemas.microsoft.com/office/drawing/2014/main" id="{7E3494B1-0AB1-4747-9B57-1075E8091192}"/>
+                <a16:creationId xmlns:a16="http://schemas.microsoft.com/office/drawing/2014/main" id="{38823235-ED92-42D3-9067-ED9C3754F7CB}"/>
               </a:ext>
             </a:extLst>
           </p:cNvPr>
@@ -20395,57 +19993,38 @@
         </p:nvSpPr>
         <p:spPr>
           <a:xfrm>
-            <a:off x="825910" y="1828800"/>
-            <a:ext cx="5515896" cy="4356100"/>
+            <a:off x="838200" y="1828800"/>
+            <a:ext cx="5454445" cy="4356100"/>
           </a:xfrm>
         </p:spPr>
         <p:txBody>
           <a:bodyPr>
-            <a:normAutofit fontScale="55000" lnSpcReduction="20000"/>
+            <a:normAutofit/>
           </a:bodyPr>
           <a:lstStyle/>
           <a:p>
             <a:r>
               <a:rPr lang="en-US" dirty="0"/>
-              <a:t>On Android, Xamarin’s Compiler compiles down to Intermediate Language (IL), which is then Just-in-Time (JIT) compiled to native assembly when the application launches.</a:t>
+              <a:t>Xamarin </a:t>
+            </a:r>
+            <a:r>
+              <a:rPr lang="en-US" b="1" dirty="0"/>
+              <a:t>built on top of Mono</a:t>
             </a:r>
           </a:p>
           <a:p>
             <a:r>
               <a:rPr lang="en-US" dirty="0"/>
-              <a:t>When Xamarin applications are compiled, the result is an Application package: </a:t>
-            </a:r>
-          </a:p>
-          <a:p>
-            <a:r>
-              <a:rPr lang="en-US" b="1" dirty="0"/>
-              <a:t>Android - .</a:t>
-            </a:r>
-            <a:r>
-              <a:rPr lang="en-US" b="1" dirty="0" err="1"/>
-              <a:t>apk</a:t>
-            </a:r>
-            <a:r>
-              <a:rPr lang="en-US" b="1" dirty="0"/>
-              <a:t> file</a:t>
-            </a:r>
-          </a:p>
-          <a:p>
+              <a:t>C# Bindings for </a:t>
+            </a:r>
+            <a:r>
+              <a:rPr lang="en-US" u="sng" dirty="0"/>
+              <a:t>every</a:t>
+            </a:r>
             <a:r>
               <a:rPr lang="en-US" dirty="0"/>
-              <a:t>These files are </a:t>
-            </a:r>
-            <a:r>
-              <a:rPr lang="en-US" b="1" dirty="0"/>
-              <a:t>indistinguishable</a:t>
-            </a:r>
-            <a:r>
-              <a:rPr lang="en-US" dirty="0"/>
-              <a:t> from application packages built with the platform’s default IDEs and are deployed in the exact same way</a:t>
-            </a:r>
-          </a:p>
-          <a:p>
-            <a:endParaRPr lang="en-US" dirty="0"/>
+              <a:t> API on iOS and Android</a:t>
+            </a:r>
           </a:p>
         </p:txBody>
       </p:sp>
@@ -20454,7 +20033,7 @@
           <p:cNvPr id="4" name="Picture 3">
             <a:extLst>
               <a:ext uri="{FF2B5EF4-FFF2-40B4-BE49-F238E27FC236}">
-                <a16:creationId xmlns:a16="http://schemas.microsoft.com/office/drawing/2014/main" id="{22F406D9-FE62-40D4-A5BC-7E7110245702}"/>
+                <a16:creationId xmlns:a16="http://schemas.microsoft.com/office/drawing/2014/main" id="{26CDFBEC-57B1-4DB5-BD75-04F2A2632EA0}"/>
               </a:ext>
             </a:extLst>
           </p:cNvPr>
@@ -20471,8 +20050,8 @@
         </p:blipFill>
         <p:spPr>
           <a:xfrm>
-            <a:off x="6341806" y="1828800"/>
-            <a:ext cx="5690500" cy="2963224"/>
+            <a:off x="6570799" y="2468348"/>
+            <a:ext cx="5382376" cy="3077004"/>
           </a:xfrm>
           <a:prstGeom prst="rect">
             <a:avLst/>
@@ -20482,7 +20061,7 @@
     </p:spTree>
     <p:extLst>
       <p:ext uri="{BB962C8B-B14F-4D97-AF65-F5344CB8AC3E}">
-        <p14:creationId xmlns:p14="http://schemas.microsoft.com/office/powerpoint/2010/main" val="55724289"/>
+        <p14:creationId xmlns:p14="http://schemas.microsoft.com/office/powerpoint/2010/main" val="2392048608"/>
       </p:ext>
     </p:extLst>
   </p:cSld>
@@ -20514,7 +20093,7 @@
           <p:cNvPr id="2" name="Title 1">
             <a:extLst>
               <a:ext uri="{FF2B5EF4-FFF2-40B4-BE49-F238E27FC236}">
-                <a16:creationId xmlns:a16="http://schemas.microsoft.com/office/drawing/2014/main" id="{89F9CB45-2D1A-4984-A2CA-734933E30179}"/>
+                <a16:creationId xmlns:a16="http://schemas.microsoft.com/office/drawing/2014/main" id="{2595E59F-DA08-4532-B5A0-185533A6D9E7}"/>
               </a:ext>
             </a:extLst>
           </p:cNvPr>
@@ -20532,17 +20111,105 @@
           <a:p>
             <a:r>
               <a:rPr lang="en-US" dirty="0"/>
-              <a:t>Xamarin vs Xamarin Forms?</a:t>
-            </a:r>
+              <a:t>Xamarin Applications </a:t>
+            </a:r>
+            <a:r>
+              <a:rPr lang="en-US" u="sng" dirty="0"/>
+              <a:t>are</a:t>
+            </a:r>
+            <a:r>
+              <a:rPr lang="en-US" dirty="0"/>
+              <a:t> Native</a:t>
+            </a:r>
+          </a:p>
+        </p:txBody>
+      </p:sp>
+      <p:sp>
+        <p:nvSpPr>
+          <p:cNvPr id="3" name="Content Placeholder 2">
+            <a:extLst>
+              <a:ext uri="{FF2B5EF4-FFF2-40B4-BE49-F238E27FC236}">
+                <a16:creationId xmlns:a16="http://schemas.microsoft.com/office/drawing/2014/main" id="{CD3F2684-1C76-4A05-9211-16F36A2D788E}"/>
+              </a:ext>
+            </a:extLst>
+          </p:cNvPr>
+          <p:cNvSpPr>
+            <a:spLocks noGrp="1"/>
+          </p:cNvSpPr>
+          <p:nvPr>
+            <p:ph sz="quarter" idx="13"/>
+          </p:nvPr>
+        </p:nvSpPr>
+        <p:spPr>
+          <a:xfrm>
+            <a:off x="838200" y="1828800"/>
+            <a:ext cx="6701589" cy="4356100"/>
+          </a:xfrm>
+        </p:spPr>
+        <p:txBody>
+          <a:bodyPr>
+            <a:normAutofit fontScale="85000" lnSpcReduction="20000"/>
+          </a:bodyPr>
+          <a:lstStyle/>
+          <a:p>
+            <a:r>
+              <a:rPr lang="en-US" dirty="0"/>
+              <a:t>When Xamarin applications are compiled, the result is are native application packages: </a:t>
+            </a:r>
+          </a:p>
+          <a:p>
+            <a:r>
+              <a:rPr lang="en-US" b="1" dirty="0"/>
+              <a:t>iOS = .</a:t>
+            </a:r>
+            <a:r>
+              <a:rPr lang="en-US" b="1" dirty="0" err="1"/>
+              <a:t>ipa</a:t>
+            </a:r>
+            <a:r>
+              <a:rPr lang="en-US" b="1" dirty="0"/>
+              <a:t> file</a:t>
+            </a:r>
+          </a:p>
+          <a:p>
+            <a:r>
+              <a:rPr lang="en-US" b="1" dirty="0"/>
+              <a:t>Android = .</a:t>
+            </a:r>
+            <a:r>
+              <a:rPr lang="en-US" b="1" dirty="0" err="1"/>
+              <a:t>apk</a:t>
+            </a:r>
+            <a:r>
+              <a:rPr lang="en-US" b="1" dirty="0"/>
+              <a:t> file</a:t>
+            </a:r>
+          </a:p>
+          <a:p>
+            <a:r>
+              <a:rPr lang="en-US" dirty="0"/>
+              <a:t>These files are </a:t>
+            </a:r>
+            <a:r>
+              <a:rPr lang="en-US" b="1" dirty="0"/>
+              <a:t>indistinguishable</a:t>
+            </a:r>
+            <a:r>
+              <a:rPr lang="en-US" dirty="0"/>
+              <a:t> from application packages built with the platform’s default IDEs and are deployed in the exact same way</a:t>
+            </a:r>
+          </a:p>
+          <a:p>
+            <a:endParaRPr lang="en-US" dirty="0"/>
           </a:p>
         </p:txBody>
       </p:sp>
       <p:pic>
         <p:nvPicPr>
-          <p:cNvPr id="3" name="Picture 2">
+          <p:cNvPr id="4" name="Picture 3">
             <a:extLst>
               <a:ext uri="{FF2B5EF4-FFF2-40B4-BE49-F238E27FC236}">
-                <a16:creationId xmlns:a16="http://schemas.microsoft.com/office/drawing/2014/main" id="{437B48DD-F2B6-4222-9176-9FDB800BF4D8}"/>
+                <a16:creationId xmlns:a16="http://schemas.microsoft.com/office/drawing/2014/main" id="{DBA23391-6F2F-46D4-8815-6128B656EE1C}"/>
               </a:ext>
             </a:extLst>
           </p:cNvPr>
@@ -20559,8 +20226,38 @@
         </p:blipFill>
         <p:spPr>
           <a:xfrm>
-            <a:off x="914025" y="2177426"/>
-            <a:ext cx="9774014" cy="3801005"/>
+            <a:off x="7828547" y="1828801"/>
+            <a:ext cx="4122318" cy="2183248"/>
+          </a:xfrm>
+          <a:prstGeom prst="rect">
+            <a:avLst/>
+          </a:prstGeom>
+        </p:spPr>
+      </p:pic>
+      <p:pic>
+        <p:nvPicPr>
+          <p:cNvPr id="5" name="Picture 4">
+            <a:extLst>
+              <a:ext uri="{FF2B5EF4-FFF2-40B4-BE49-F238E27FC236}">
+                <a16:creationId xmlns:a16="http://schemas.microsoft.com/office/drawing/2014/main" id="{3092A700-6EF1-4ECC-8E2D-00DE26A6C6E6}"/>
+              </a:ext>
+            </a:extLst>
+          </p:cNvPr>
+          <p:cNvPicPr>
+            <a:picLocks noChangeAspect="1"/>
+          </p:cNvPicPr>
+          <p:nvPr/>
+        </p:nvPicPr>
+        <p:blipFill>
+          <a:blip r:embed="rId3"/>
+          <a:stretch>
+            <a:fillRect/>
+          </a:stretch>
+        </p:blipFill>
+        <p:spPr>
+          <a:xfrm>
+            <a:off x="7828547" y="4006850"/>
+            <a:ext cx="4122318" cy="2146622"/>
           </a:xfrm>
           <a:prstGeom prst="rect">
             <a:avLst/>
@@ -20570,7 +20267,7 @@
     </p:spTree>
     <p:extLst>
       <p:ext uri="{BB962C8B-B14F-4D97-AF65-F5344CB8AC3E}">
-        <p14:creationId xmlns:p14="http://schemas.microsoft.com/office/powerpoint/2010/main" val="993865781"/>
+        <p14:creationId xmlns:p14="http://schemas.microsoft.com/office/powerpoint/2010/main" val="3593563074"/>
       </p:ext>
     </p:extLst>
   </p:cSld>
@@ -21693,18 +21390,18 @@
 </file>
 
 <file path=customXml/item1.xml><?xml version="1.0" encoding="utf-8"?>
-<p:properties xmlns:p="http://schemas.microsoft.com/office/2006/metadata/properties" xmlns:xsi="http://www.w3.org/2001/XMLSchema-instance" xmlns:pc="http://schemas.microsoft.com/office/infopath/2007/PartnerControls">
-  <documentManagement/>
-</p:properties>
-</file>
-
-<file path=customXml/item2.xml><?xml version="1.0" encoding="utf-8"?>
 <?mso-contentType ?>
 <FormTemplates xmlns="http://schemas.microsoft.com/sharepoint/v3/contenttype/forms">
   <Display>DocumentLibraryForm</Display>
   <Edit>DocumentLibraryForm</Edit>
   <New>DocumentLibraryForm</New>
 </FormTemplates>
+</file>
+
+<file path=customXml/item2.xml><?xml version="1.0" encoding="utf-8"?>
+<p:properties xmlns:p="http://schemas.microsoft.com/office/2006/metadata/properties" xmlns:xsi="http://www.w3.org/2001/XMLSchema-instance" xmlns:pc="http://schemas.microsoft.com/office/infopath/2007/PartnerControls">
+  <documentManagement/>
+</p:properties>
 </file>
 
 <file path=customXml/item3.xml><?xml version="1.0" encoding="utf-8"?>
@@ -21873,26 +21570,26 @@
 </file>
 
 <file path=customXml/itemProps1.xml><?xml version="1.0" encoding="utf-8"?>
-<ds:datastoreItem xmlns:ds="http://schemas.openxmlformats.org/officeDocument/2006/customXml" ds:itemID="{D90E7FE9-56EC-445A-8DDD-440A1079F32A}">
+<ds:datastoreItem xmlns:ds="http://schemas.openxmlformats.org/officeDocument/2006/customXml" ds:itemID="{273D40F7-F704-48B0-A670-576FE32B905E}">
   <ds:schemaRefs>
-    <ds:schemaRef ds:uri="http://schemas.microsoft.com/office/2006/metadata/properties"/>
-    <ds:schemaRef ds:uri="http://purl.org/dc/terms/"/>
-    <ds:schemaRef ds:uri="http://schemas.openxmlformats.org/package/2006/metadata/core-properties"/>
-    <ds:schemaRef ds:uri="http://schemas.microsoft.com/office/2006/documentManagement/types"/>
-    <ds:schemaRef ds:uri="http://purl.org/dc/elements/1.1/"/>
-    <ds:schemaRef ds:uri="http://schemas.microsoft.com/office/infopath/2007/PartnerControls"/>
-    <ds:schemaRef ds:uri="f32cd541-61f1-447c-8fae-7915de1545ce"/>
-    <ds:schemaRef ds:uri="6d4fdb20-2939-4370-9847-a035aab9d673"/>
-    <ds:schemaRef ds:uri="http://www.w3.org/XML/1998/namespace"/>
-    <ds:schemaRef ds:uri="http://purl.org/dc/dcmitype/"/>
+    <ds:schemaRef ds:uri="http://schemas.microsoft.com/sharepoint/v3/contenttype/forms"/>
   </ds:schemaRefs>
 </ds:datastoreItem>
 </file>
 
 <file path=customXml/itemProps2.xml><?xml version="1.0" encoding="utf-8"?>
-<ds:datastoreItem xmlns:ds="http://schemas.openxmlformats.org/officeDocument/2006/customXml" ds:itemID="{273D40F7-F704-48B0-A670-576FE32B905E}">
+<ds:datastoreItem xmlns:ds="http://schemas.openxmlformats.org/officeDocument/2006/customXml" ds:itemID="{D90E7FE9-56EC-445A-8DDD-440A1079F32A}">
   <ds:schemaRefs>
-    <ds:schemaRef ds:uri="http://schemas.microsoft.com/sharepoint/v3/contenttype/forms"/>
+    <ds:schemaRef ds:uri="http://purl.org/dc/dcmitype/"/>
+    <ds:schemaRef ds:uri="http://schemas.microsoft.com/office/infopath/2007/PartnerControls"/>
+    <ds:schemaRef ds:uri="f32cd541-61f1-447c-8fae-7915de1545ce"/>
+    <ds:schemaRef ds:uri="http://purl.org/dc/elements/1.1/"/>
+    <ds:schemaRef ds:uri="http://schemas.microsoft.com/office/2006/metadata/properties"/>
+    <ds:schemaRef ds:uri="http://schemas.microsoft.com/office/2006/documentManagement/types"/>
+    <ds:schemaRef ds:uri="http://purl.org/dc/terms/"/>
+    <ds:schemaRef ds:uri="http://schemas.openxmlformats.org/package/2006/metadata/core-properties"/>
+    <ds:schemaRef ds:uri="6d4fdb20-2939-4370-9847-a035aab9d673"/>
+    <ds:schemaRef ds:uri="http://www.w3.org/XML/1998/namespace"/>
   </ds:schemaRefs>
 </ds:datastoreItem>
 </file>

--- a/XamarinForms/Final - Xamarin Forms - Sort 2019 - Jon Worthington.pptx
+++ b/XamarinForms/Final - Xamarin Forms - Sort 2019 - Jon Worthington.pptx
@@ -18047,13 +18047,13 @@
         </p:spPr>
         <p:txBody>
           <a:bodyPr>
-            <a:normAutofit fontScale="55000" lnSpcReduction="20000"/>
+            <a:normAutofit fontScale="40000" lnSpcReduction="20000"/>
           </a:bodyPr>
           <a:lstStyle/>
           <a:p>
             <a:r>
-              <a:rPr lang="en-US" b="1" dirty="0"/>
-              <a:t>Quick Starts</a:t>
+              <a:rPr lang="en-US" b="1" dirty="0" err="1"/>
+              <a:t>Github</a:t>
             </a:r>
             <a:br>
               <a:rPr lang="en-US" b="1" dirty="0"/>
@@ -18062,6 +18062,22 @@
               <a:rPr lang="en-US" dirty="0">
                 <a:hlinkClick r:id="rId2"/>
               </a:rPr>
+              <a:t>https://github.com/worthingtonjg/Sort2019</a:t>
+            </a:r>
+            <a:endParaRPr lang="en-US" b="1" dirty="0"/>
+          </a:p>
+          <a:p>
+            <a:r>
+              <a:rPr lang="en-US" b="1" dirty="0"/>
+              <a:t>Quick Starts</a:t>
+            </a:r>
+            <a:br>
+              <a:rPr lang="en-US" b="1" dirty="0"/>
+            </a:br>
+            <a:r>
+              <a:rPr lang="en-US" dirty="0">
+                <a:hlinkClick r:id="rId3"/>
+              </a:rPr>
               <a:t>https://docs.microsoft.com/en-us/xamarin/get-started/quickstarts/</a:t>
             </a:r>
             <a:br>
@@ -18069,7 +18085,7 @@
             </a:br>
             <a:r>
               <a:rPr lang="en-US" dirty="0">
-                <a:hlinkClick r:id="rId3"/>
+                <a:hlinkClick r:id="rId4"/>
               </a:rPr>
               <a:t>https://docs.microsoft.com/en-us/xamarin/#pivot=get-started</a:t>
             </a:r>
@@ -18078,7 +18094,7 @@
             </a:br>
             <a:r>
               <a:rPr lang="en-US" dirty="0">
-                <a:hlinkClick r:id="rId4"/>
+                <a:hlinkClick r:id="rId5"/>
               </a:rPr>
               <a:t>https://docs.microsoft.com/en-us/xamarin/#pivot=xamarin-forms</a:t>
             </a:r>
@@ -18097,7 +18113,7 @@
             </a:br>
             <a:r>
               <a:rPr lang="en-US" dirty="0">
-                <a:hlinkClick r:id="rId5"/>
+                <a:hlinkClick r:id="rId6"/>
               </a:rPr>
               <a:t>https://dotnet.microsoft.com/learn/xamarin</a:t>
             </a:r>
@@ -18106,7 +18122,7 @@
             </a:br>
             <a:r>
               <a:rPr lang="en-US" dirty="0">
-                <a:hlinkClick r:id="rId6"/>
+                <a:hlinkClick r:id="rId7"/>
               </a:rPr>
               <a:t>https://dotnet.microsoft.com/apps/xamarin/xamarin-forms</a:t>
             </a:r>
@@ -18122,7 +18138,7 @@
             </a:br>
             <a:r>
               <a:rPr lang="en-US" dirty="0">
-                <a:hlinkClick r:id="rId7"/>
+                <a:hlinkClick r:id="rId8"/>
               </a:rPr>
               <a:t>https://channel9.msdn.com/Search?term=xamarin&amp;lang-en=true</a:t>
             </a:r>
@@ -18138,7 +18154,7 @@
             </a:br>
             <a:r>
               <a:rPr lang="en-US" dirty="0">
-                <a:hlinkClick r:id="rId8"/>
+                <a:hlinkClick r:id="rId9"/>
               </a:rPr>
               <a:t>https://github.com/xamarin/Xamarin.Forms</a:t>
             </a:r>
@@ -18147,7 +18163,7 @@
             </a:br>
             <a:r>
               <a:rPr lang="en-US" dirty="0">
-                <a:hlinkClick r:id="rId9"/>
+                <a:hlinkClick r:id="rId10"/>
               </a:rPr>
               <a:t>https://github.com/xamarin</a:t>
             </a:r>
@@ -18156,7 +18172,7 @@
             </a:br>
             <a:r>
               <a:rPr lang="en-US" dirty="0">
-                <a:hlinkClick r:id="rId10"/>
+                <a:hlinkClick r:id="rId11"/>
               </a:rPr>
               <a:t>https://github.com/xamarin/Essentials</a:t>
             </a:r>
@@ -18185,7 +18201,7 @@
           <p:nvPr/>
         </p:nvPicPr>
         <p:blipFill>
-          <a:blip r:embed="rId11"/>
+          <a:blip r:embed="rId12"/>
           <a:stretch>
             <a:fillRect/>
           </a:stretch>
@@ -21390,18 +21406,18 @@
 </file>
 
 <file path=customXml/item1.xml><?xml version="1.0" encoding="utf-8"?>
+<p:properties xmlns:p="http://schemas.microsoft.com/office/2006/metadata/properties" xmlns:xsi="http://www.w3.org/2001/XMLSchema-instance" xmlns:pc="http://schemas.microsoft.com/office/infopath/2007/PartnerControls">
+  <documentManagement/>
+</p:properties>
+</file>
+
+<file path=customXml/item2.xml><?xml version="1.0" encoding="utf-8"?>
 <?mso-contentType ?>
 <FormTemplates xmlns="http://schemas.microsoft.com/sharepoint/v3/contenttype/forms">
   <Display>DocumentLibraryForm</Display>
   <Edit>DocumentLibraryForm</Edit>
   <New>DocumentLibraryForm</New>
 </FormTemplates>
-</file>
-
-<file path=customXml/item2.xml><?xml version="1.0" encoding="utf-8"?>
-<p:properties xmlns:p="http://schemas.microsoft.com/office/2006/metadata/properties" xmlns:xsi="http://www.w3.org/2001/XMLSchema-instance" xmlns:pc="http://schemas.microsoft.com/office/infopath/2007/PartnerControls">
-  <documentManagement/>
-</p:properties>
 </file>
 
 <file path=customXml/item3.xml><?xml version="1.0" encoding="utf-8"?>
@@ -21570,26 +21586,26 @@
 </file>
 
 <file path=customXml/itemProps1.xml><?xml version="1.0" encoding="utf-8"?>
-<ds:datastoreItem xmlns:ds="http://schemas.openxmlformats.org/officeDocument/2006/customXml" ds:itemID="{273D40F7-F704-48B0-A670-576FE32B905E}">
-  <ds:schemaRefs>
-    <ds:schemaRef ds:uri="http://schemas.microsoft.com/sharepoint/v3/contenttype/forms"/>
-  </ds:schemaRefs>
-</ds:datastoreItem>
-</file>
-
-<file path=customXml/itemProps2.xml><?xml version="1.0" encoding="utf-8"?>
 <ds:datastoreItem xmlns:ds="http://schemas.openxmlformats.org/officeDocument/2006/customXml" ds:itemID="{D90E7FE9-56EC-445A-8DDD-440A1079F32A}">
   <ds:schemaRefs>
+    <ds:schemaRef ds:uri="http://schemas.openxmlformats.org/package/2006/metadata/core-properties"/>
     <ds:schemaRef ds:uri="http://purl.org/dc/dcmitype/"/>
     <ds:schemaRef ds:uri="http://schemas.microsoft.com/office/infopath/2007/PartnerControls"/>
     <ds:schemaRef ds:uri="f32cd541-61f1-447c-8fae-7915de1545ce"/>
     <ds:schemaRef ds:uri="http://purl.org/dc/elements/1.1/"/>
     <ds:schemaRef ds:uri="http://schemas.microsoft.com/office/2006/metadata/properties"/>
     <ds:schemaRef ds:uri="http://schemas.microsoft.com/office/2006/documentManagement/types"/>
-    <ds:schemaRef ds:uri="http://purl.org/dc/terms/"/>
-    <ds:schemaRef ds:uri="http://schemas.openxmlformats.org/package/2006/metadata/core-properties"/>
     <ds:schemaRef ds:uri="6d4fdb20-2939-4370-9847-a035aab9d673"/>
     <ds:schemaRef ds:uri="http://www.w3.org/XML/1998/namespace"/>
+    <ds:schemaRef ds:uri="http://purl.org/dc/terms/"/>
+  </ds:schemaRefs>
+</ds:datastoreItem>
+</file>
+
+<file path=customXml/itemProps2.xml><?xml version="1.0" encoding="utf-8"?>
+<ds:datastoreItem xmlns:ds="http://schemas.openxmlformats.org/officeDocument/2006/customXml" ds:itemID="{273D40F7-F704-48B0-A670-576FE32B905E}">
+  <ds:schemaRefs>
+    <ds:schemaRef ds:uri="http://schemas.microsoft.com/sharepoint/v3/contenttype/forms"/>
   </ds:schemaRefs>
 </ds:datastoreItem>
 </file>
